--- a/0_Ramp_Up/documentos/Data Science - Ramp Up - Contenidos.pptx
+++ b/0_Ramp_Up/documentos/Data Science - Ramp Up - Contenidos.pptx
@@ -219,7 +219,7 @@
           <a:p>
             <a:fld id="{E2E1EB10-6A21-440E-BF2D-F14C49559F2A}" type="datetimeFigureOut">
               <a:rPr lang="es-ES" smtClean="0"/>
-              <a:t>07/06/2020</a:t>
+              <a:t>14/06/2020</a:t>
             </a:fld>
             <a:endParaRPr lang="es-ES"/>
           </a:p>
@@ -403,7 +403,7 @@
           <a:p>
             <a:fld id="{6030B40B-5C5C-408D-8E71-442557AE69BE}" type="datetimeFigureOut">
               <a:rPr lang="es-ES" smtClean="0"/>
-              <a:t>07/06/2020</a:t>
+              <a:t>14/06/2020</a:t>
             </a:fld>
             <a:endParaRPr lang="es-ES"/>
           </a:p>
@@ -805,7 +805,7 @@
           <a:p>
             <a:fld id="{5B772F0D-A02A-4702-8780-0B9BEC7A8699}" type="datetime1">
               <a:rPr lang="es-ES" smtClean="0"/>
-              <a:t>07/06/2020</a:t>
+              <a:t>14/06/2020</a:t>
             </a:fld>
             <a:endParaRPr lang="es-ES"/>
           </a:p>
@@ -978,7 +978,7 @@
           <a:p>
             <a:fld id="{B7089A12-8DCA-43F2-8141-5440FE76067E}" type="datetime1">
               <a:rPr lang="es-ES" smtClean="0"/>
-              <a:t>07/06/2020</a:t>
+              <a:t>14/06/2020</a:t>
             </a:fld>
             <a:endParaRPr lang="es-ES"/>
           </a:p>
@@ -1161,7 +1161,7 @@
           <a:p>
             <a:fld id="{1ECAA92C-77A8-40E9-B836-7A7337601971}" type="datetime1">
               <a:rPr lang="es-ES" smtClean="0"/>
-              <a:t>07/06/2020</a:t>
+              <a:t>14/06/2020</a:t>
             </a:fld>
             <a:endParaRPr lang="es-ES"/>
           </a:p>
@@ -1334,7 +1334,7 @@
           <a:p>
             <a:fld id="{76C3C7A2-BAD2-4CA0-B88A-B6452E90DFBC}" type="datetime1">
               <a:rPr lang="es-ES" smtClean="0"/>
-              <a:t>07/06/2020</a:t>
+              <a:t>14/06/2020</a:t>
             </a:fld>
             <a:endParaRPr lang="es-ES"/>
           </a:p>
@@ -1583,7 +1583,7 @@
           <a:p>
             <a:fld id="{ECA9CF60-F39A-43C0-966A-9235067209B8}" type="datetime1">
               <a:rPr lang="es-ES" smtClean="0"/>
-              <a:t>07/06/2020</a:t>
+              <a:t>14/06/2020</a:t>
             </a:fld>
             <a:endParaRPr lang="es-ES"/>
           </a:p>
@@ -1818,7 +1818,7 @@
           <a:p>
             <a:fld id="{4956C9BF-599C-46EE-897D-D3B566742584}" type="datetime1">
               <a:rPr lang="es-ES" smtClean="0"/>
-              <a:t>07/06/2020</a:t>
+              <a:t>14/06/2020</a:t>
             </a:fld>
             <a:endParaRPr lang="es-ES"/>
           </a:p>
@@ -2188,7 +2188,7 @@
           <a:p>
             <a:fld id="{95FE9576-1C9C-4DA4-A00A-9DD8D8245248}" type="datetime1">
               <a:rPr lang="es-ES" smtClean="0"/>
-              <a:t>07/06/2020</a:t>
+              <a:t>14/06/2020</a:t>
             </a:fld>
             <a:endParaRPr lang="es-ES"/>
           </a:p>
@@ -2309,7 +2309,7 @@
           <a:p>
             <a:fld id="{A25E806F-9BD2-4ABB-A643-CD5EC8F2EFC5}" type="datetime1">
               <a:rPr lang="es-ES" smtClean="0"/>
-              <a:t>07/06/2020</a:t>
+              <a:t>14/06/2020</a:t>
             </a:fld>
             <a:endParaRPr lang="es-ES"/>
           </a:p>
@@ -2407,7 +2407,7 @@
           <a:p>
             <a:fld id="{44D58291-17CD-4DFA-B627-8197516A579F}" type="datetime1">
               <a:rPr lang="es-ES" smtClean="0"/>
-              <a:t>07/06/2020</a:t>
+              <a:t>14/06/2020</a:t>
             </a:fld>
             <a:endParaRPr lang="es-ES"/>
           </a:p>
@@ -2687,7 +2687,7 @@
           <a:p>
             <a:fld id="{CE47F85A-B433-4D20-98A1-4063FF1FEBAE}" type="datetime1">
               <a:rPr lang="es-ES" smtClean="0"/>
-              <a:t>07/06/2020</a:t>
+              <a:t>14/06/2020</a:t>
             </a:fld>
             <a:endParaRPr lang="es-ES"/>
           </a:p>
@@ -2947,7 +2947,7 @@
           <a:p>
             <a:fld id="{88FF7EC7-7A16-44B9-9DAF-6069C283BDDE}" type="datetime1">
               <a:rPr lang="es-ES" smtClean="0"/>
-              <a:t>07/06/2020</a:t>
+              <a:t>14/06/2020</a:t>
             </a:fld>
             <a:endParaRPr lang="es-ES"/>
           </a:p>
@@ -3163,7 +3163,7 @@
           <a:p>
             <a:fld id="{1FF7DE26-E335-45E6-BFEF-90CB33A4197F}" type="datetime1">
               <a:rPr lang="es-ES" smtClean="0"/>
-              <a:t>07/06/2020</a:t>
+              <a:t>14/06/2020</a:t>
             </a:fld>
             <a:endParaRPr lang="es-ES"/>
           </a:p>
@@ -3929,7 +3929,7 @@
         <p:spPr>
           <a:xfrm>
             <a:off x="2272144" y="655782"/>
-            <a:ext cx="3722255" cy="3539430"/>
+            <a:ext cx="6854101" cy="5016758"/>
           </a:xfrm>
           <a:prstGeom prst="rect">
             <a:avLst/>
@@ -3958,8 +3958,21 @@
             </a:pPr>
             <a:r>
               <a:rPr lang="es-ES" sz="1600" dirty="0"/>
-              <a:t>Instalación de Anaconda</a:t>
-            </a:r>
+              <a:t>Instalación de Anaconda y </a:t>
+            </a:r>
+            <a:r>
+              <a:rPr lang="es-ES" sz="1600" dirty="0" err="1"/>
+              <a:t>Jupyter</a:t>
+            </a:r>
+            <a:r>
+              <a:rPr lang="es-ES" sz="1600" dirty="0"/>
+              <a:t> </a:t>
+            </a:r>
+            <a:r>
+              <a:rPr lang="es-ES" sz="1600" dirty="0" err="1"/>
+              <a:t>Lab</a:t>
+            </a:r>
+            <a:endParaRPr lang="es-ES" sz="1600" dirty="0"/>
           </a:p>
           <a:p>
             <a:pPr marL="800100" lvl="1" indent="-342900">
@@ -3967,9 +3980,10 @@
               <a:buChar char="•"/>
             </a:pPr>
             <a:r>
-              <a:rPr lang="es-ES" sz="1600" dirty="0"/>
-              <a:t>Git y GitHub</a:t>
-            </a:r>
+              <a:rPr lang="es-ES" sz="1600" dirty="0" err="1"/>
+              <a:t>Markdown</a:t>
+            </a:r>
+            <a:endParaRPr lang="es-ES" sz="1600" dirty="0"/>
           </a:p>
           <a:p>
             <a:pPr marL="800100" lvl="1" indent="-342900">
@@ -3977,18 +3991,17 @@
               <a:buChar char="•"/>
             </a:pPr>
             <a:r>
+              <a:rPr lang="es-ES" sz="1600" dirty="0"/>
+              <a:t>Python </a:t>
+            </a:r>
+            <a:r>
               <a:rPr lang="es-ES" sz="1600" dirty="0" err="1"/>
-              <a:t>Jupyter</a:t>
+              <a:t>Basics</a:t>
             </a:r>
             <a:r>
               <a:rPr lang="es-ES" sz="1600" dirty="0"/>
-              <a:t> y </a:t>
-            </a:r>
-            <a:r>
-              <a:rPr lang="es-ES" sz="1600" dirty="0" err="1"/>
-              <a:t>Markdown</a:t>
-            </a:r>
-            <a:endParaRPr lang="es-ES" sz="1600" dirty="0"/>
+              <a:t> I</a:t>
+            </a:r>
           </a:p>
           <a:p>
             <a:pPr marL="800100" lvl="1" indent="-342900">
@@ -3996,8 +4009,12 @@
               <a:buChar char="•"/>
             </a:pPr>
             <a:r>
+              <a:rPr lang="es-ES" sz="1600" dirty="0" err="1"/>
+              <a:t>Pyton</a:t>
+            </a:r>
+            <a:r>
               <a:rPr lang="es-ES" sz="1600" dirty="0"/>
-              <a:t>Python </a:t>
+              <a:t> </a:t>
             </a:r>
             <a:r>
               <a:rPr lang="es-ES" sz="1600" dirty="0" err="1"/>
@@ -4005,7 +4022,7 @@
             </a:r>
             <a:r>
               <a:rPr lang="es-ES" sz="1600" dirty="0"/>
-              <a:t> I</a:t>
+              <a:t> II</a:t>
             </a:r>
           </a:p>
           <a:p>
@@ -4014,20 +4031,8 @@
               <a:buChar char="•"/>
             </a:pPr>
             <a:r>
-              <a:rPr lang="es-ES" sz="1600" dirty="0" err="1"/>
-              <a:t>Pyton</a:t>
-            </a:r>
-            <a:r>
               <a:rPr lang="es-ES" sz="1600" dirty="0"/>
-              <a:t> </a:t>
-            </a:r>
-            <a:r>
-              <a:rPr lang="es-ES" sz="1600" dirty="0" err="1"/>
-              <a:t>Basics</a:t>
-            </a:r>
-            <a:r>
-              <a:rPr lang="es-ES" sz="1600" dirty="0"/>
-              <a:t> II</a:t>
+              <a:t>Flujos de control</a:t>
             </a:r>
           </a:p>
           <a:p>
@@ -4047,7 +4052,7 @@
             </a:pPr>
             <a:r>
               <a:rPr lang="es-ES" sz="1600" dirty="0"/>
-              <a:t>Funciones de control</a:t>
+              <a:t>Colecciones</a:t>
             </a:r>
           </a:p>
           <a:p>
@@ -4057,7 +4062,7 @@
             </a:pPr>
             <a:r>
               <a:rPr lang="es-ES" sz="1600" dirty="0"/>
-              <a:t>Colecciones</a:t>
+              <a:t>Funciones</a:t>
             </a:r>
           </a:p>
           <a:p>
@@ -4081,6 +4086,46 @@
             </a:r>
           </a:p>
           <a:p>
+            <a:pPr marL="800100" lvl="1" indent="-342900">
+              <a:buFont typeface="Arial" panose="020B0604020202020204" pitchFamily="34" charset="0"/>
+              <a:buChar char="•"/>
+            </a:pPr>
+            <a:r>
+              <a:rPr lang="es-ES" sz="1600" dirty="0"/>
+              <a:t>Programación orientada a objetos</a:t>
+            </a:r>
+          </a:p>
+          <a:p>
+            <a:pPr marL="800100" lvl="1" indent="-342900">
+              <a:buFont typeface="Arial" panose="020B0604020202020204" pitchFamily="34" charset="0"/>
+              <a:buChar char="•"/>
+            </a:pPr>
+            <a:r>
+              <a:rPr lang="es-ES" sz="1600" dirty="0"/>
+              <a:t>Módulos</a:t>
+            </a:r>
+          </a:p>
+          <a:p>
+            <a:pPr marL="800100" lvl="1" indent="-342900">
+              <a:buFont typeface="Arial" panose="020B0604020202020204" pitchFamily="34" charset="0"/>
+              <a:buChar char="•"/>
+            </a:pPr>
+            <a:r>
+              <a:rPr lang="es-ES" sz="1600" dirty="0"/>
+              <a:t>Input/output</a:t>
+            </a:r>
+          </a:p>
+          <a:p>
+            <a:pPr marL="800100" lvl="1" indent="-342900">
+              <a:buFont typeface="Arial" panose="020B0604020202020204" pitchFamily="34" charset="0"/>
+              <a:buChar char="•"/>
+            </a:pPr>
+            <a:r>
+              <a:rPr lang="es-ES" sz="1600" dirty="0"/>
+              <a:t>Spyder</a:t>
+            </a:r>
+          </a:p>
+          <a:p>
             <a:pPr marL="342900" indent="-342900">
               <a:buFont typeface="+mj-lt"/>
               <a:buAutoNum type="arabicPeriod"/>
@@ -4091,23 +4136,43 @@
             </a:r>
           </a:p>
           <a:p>
-            <a:pPr marL="342900" indent="-342900">
-              <a:buFont typeface="+mj-lt"/>
-              <a:buAutoNum type="arabicPeriod"/>
+            <a:pPr marL="800100" lvl="1" indent="-342900">
+              <a:buFont typeface="Arial" panose="020B0604020202020204" pitchFamily="34" charset="0"/>
+              <a:buChar char="•"/>
             </a:pPr>
             <a:r>
               <a:rPr lang="es-ES" sz="1600" dirty="0"/>
-              <a:t>Semana 5</a:t>
-            </a:r>
-          </a:p>
-          <a:p>
-            <a:pPr marL="342900" indent="-342900">
-              <a:buFont typeface="+mj-lt"/>
-              <a:buAutoNum type="arabicPeriod"/>
+              <a:t>Programación funcional</a:t>
+            </a:r>
+          </a:p>
+          <a:p>
+            <a:pPr marL="800100" lvl="1" indent="-342900">
+              <a:buFont typeface="Arial" panose="020B0604020202020204" pitchFamily="34" charset="0"/>
+              <a:buChar char="•"/>
             </a:pPr>
             <a:r>
               <a:rPr lang="es-ES" sz="1600" dirty="0"/>
-              <a:t>Semana 6</a:t>
+              <a:t>Probabilidad</a:t>
+            </a:r>
+          </a:p>
+          <a:p>
+            <a:pPr marL="800100" lvl="1" indent="-342900">
+              <a:buFont typeface="Arial" panose="020B0604020202020204" pitchFamily="34" charset="0"/>
+              <a:buChar char="•"/>
+            </a:pPr>
+            <a:r>
+              <a:rPr lang="es-ES" sz="1600" dirty="0"/>
+              <a:t>Algebra</a:t>
+            </a:r>
+          </a:p>
+          <a:p>
+            <a:pPr marL="800100" lvl="1" indent="-342900">
+              <a:buFont typeface="Arial" panose="020B0604020202020204" pitchFamily="34" charset="0"/>
+              <a:buChar char="•"/>
+            </a:pPr>
+            <a:r>
+              <a:rPr lang="es-ES" sz="1600" dirty="0"/>
+              <a:t>Git/GitHub</a:t>
             </a:r>
           </a:p>
         </p:txBody>
@@ -4371,8 +4436,8 @@
         </p:nvSpPr>
         <p:spPr>
           <a:xfrm>
-            <a:off x="617680" y="2543121"/>
-            <a:ext cx="4682836" cy="2985433"/>
+            <a:off x="741968" y="2664341"/>
+            <a:ext cx="4682836" cy="3570208"/>
           </a:xfrm>
           <a:prstGeom prst="rect">
             <a:avLst/>
@@ -4569,6 +4634,18 @@
           </a:p>
           <a:p>
             <a:r>
+              <a:rPr lang="es-ES" sz="1400" b="1" dirty="0" err="1">
+                <a:solidFill>
+                  <a:schemeClr val="tx1">
+                    <a:lumMod val="95000"/>
+                  </a:schemeClr>
+                </a:solidFill>
+                <a:latin typeface="Segoe UI" panose="020B0502040204020203" pitchFamily="34" charset="0"/>
+                <a:cs typeface="Segoe UI" panose="020B0502040204020203" pitchFamily="34" charset="0"/>
+              </a:rPr>
+              <a:t>Jupyter</a:t>
+            </a:r>
+            <a:r>
               <a:rPr lang="es-ES" sz="1400" b="1" dirty="0">
                 <a:solidFill>
                   <a:schemeClr val="tx1">
@@ -4578,8 +4655,29 @@
                 <a:latin typeface="Segoe UI" panose="020B0502040204020203" pitchFamily="34" charset="0"/>
                 <a:cs typeface="Segoe UI" panose="020B0502040204020203" pitchFamily="34" charset="0"/>
               </a:rPr>
-              <a:t>Git/GitHub</a:t>
-            </a:r>
+              <a:t> </a:t>
+            </a:r>
+            <a:r>
+              <a:rPr lang="es-ES" sz="1400" b="1" dirty="0" err="1">
+                <a:solidFill>
+                  <a:schemeClr val="tx1">
+                    <a:lumMod val="95000"/>
+                  </a:schemeClr>
+                </a:solidFill>
+                <a:latin typeface="Segoe UI" panose="020B0502040204020203" pitchFamily="34" charset="0"/>
+                <a:cs typeface="Segoe UI" panose="020B0502040204020203" pitchFamily="34" charset="0"/>
+              </a:rPr>
+              <a:t>Lab</a:t>
+            </a:r>
+            <a:endParaRPr lang="es-ES" sz="1400" b="1" dirty="0">
+              <a:solidFill>
+                <a:schemeClr val="tx1">
+                  <a:lumMod val="95000"/>
+                </a:schemeClr>
+              </a:solidFill>
+              <a:latin typeface="Segoe UI" panose="020B0502040204020203" pitchFamily="34" charset="0"/>
+              <a:cs typeface="Segoe UI" panose="020B0502040204020203" pitchFamily="34" charset="0"/>
+            </a:endParaRPr>
           </a:p>
           <a:p>
             <a:r>
@@ -4592,7 +4690,55 @@
                 <a:latin typeface="Segoe UI" panose="020B0502040204020203" pitchFamily="34" charset="0"/>
                 <a:cs typeface="Segoe UI" panose="020B0502040204020203" pitchFamily="34" charset="0"/>
               </a:rPr>
-              <a:t>Instalación de las herramientas de control de versiones de software que usaremos durante el curso</a:t>
+              <a:t>Primeros pasos con los Notebooks. </a:t>
+            </a:r>
+            <a:r>
+              <a:rPr lang="es-ES" sz="1200" i="1" dirty="0" err="1">
+                <a:solidFill>
+                  <a:schemeClr val="tx1">
+                    <a:lumMod val="85000"/>
+                  </a:schemeClr>
+                </a:solidFill>
+                <a:latin typeface="Segoe UI" panose="020B0502040204020203" pitchFamily="34" charset="0"/>
+                <a:cs typeface="Segoe UI" panose="020B0502040204020203" pitchFamily="34" charset="0"/>
+              </a:rPr>
+              <a:t>Basics</a:t>
+            </a:r>
+            <a:r>
+              <a:rPr lang="es-ES" sz="1200" i="1" dirty="0">
+                <a:solidFill>
+                  <a:schemeClr val="tx1">
+                    <a:lumMod val="85000"/>
+                  </a:schemeClr>
+                </a:solidFill>
+                <a:latin typeface="Segoe UI" panose="020B0502040204020203" pitchFamily="34" charset="0"/>
+                <a:cs typeface="Segoe UI" panose="020B0502040204020203" pitchFamily="34" charset="0"/>
+              </a:rPr>
+              <a:t> de </a:t>
+            </a:r>
+            <a:r>
+              <a:rPr lang="es-ES" sz="1200" i="1" dirty="0" err="1">
+                <a:solidFill>
+                  <a:schemeClr val="tx1">
+                    <a:lumMod val="85000"/>
+                  </a:schemeClr>
+                </a:solidFill>
+                <a:latin typeface="Segoe UI" panose="020B0502040204020203" pitchFamily="34" charset="0"/>
+                <a:cs typeface="Segoe UI" panose="020B0502040204020203" pitchFamily="34" charset="0"/>
+              </a:rPr>
+              <a:t>markdown</a:t>
+            </a:r>
+            <a:r>
+              <a:rPr lang="es-ES" sz="1200" i="1" dirty="0">
+                <a:solidFill>
+                  <a:schemeClr val="tx1">
+                    <a:lumMod val="85000"/>
+                  </a:schemeClr>
+                </a:solidFill>
+                <a:latin typeface="Segoe UI" panose="020B0502040204020203" pitchFamily="34" charset="0"/>
+                <a:cs typeface="Segoe UI" panose="020B0502040204020203" pitchFamily="34" charset="0"/>
+              </a:rPr>
+              <a:t>.</a:t>
             </a:r>
           </a:p>
           <a:p>
@@ -4608,6 +4754,18 @@
           </a:p>
           <a:p>
             <a:r>
+              <a:rPr lang="es-ES" sz="1400" b="1" dirty="0">
+                <a:solidFill>
+                  <a:schemeClr val="tx1">
+                    <a:lumMod val="95000"/>
+                  </a:schemeClr>
+                </a:solidFill>
+                <a:latin typeface="Segoe UI" panose="020B0502040204020203" pitchFamily="34" charset="0"/>
+                <a:cs typeface="Segoe UI" panose="020B0502040204020203" pitchFamily="34" charset="0"/>
+              </a:rPr>
+              <a:t>Python </a:t>
+            </a:r>
+            <a:r>
               <a:rPr lang="es-ES" sz="1400" b="1" dirty="0" err="1">
                 <a:solidFill>
                   <a:schemeClr val="tx1">
@@ -4617,7 +4775,7 @@
                 <a:latin typeface="Segoe UI" panose="020B0502040204020203" pitchFamily="34" charset="0"/>
                 <a:cs typeface="Segoe UI" panose="020B0502040204020203" pitchFamily="34" charset="0"/>
               </a:rPr>
-              <a:t>Jupyter</a:t>
+              <a:t>Basics</a:t>
             </a:r>
             <a:r>
               <a:rPr lang="es-ES" sz="1400" b="1" dirty="0">
@@ -4629,7 +4787,7 @@
                 <a:latin typeface="Segoe UI" panose="020B0502040204020203" pitchFamily="34" charset="0"/>
                 <a:cs typeface="Segoe UI" panose="020B0502040204020203" pitchFamily="34" charset="0"/>
               </a:rPr>
-              <a:t> Notebook</a:t>
+              <a:t> I</a:t>
             </a:r>
           </a:p>
           <a:p>
@@ -4643,7 +4801,7 @@
                 <a:latin typeface="Segoe UI" panose="020B0502040204020203" pitchFamily="34" charset="0"/>
                 <a:cs typeface="Segoe UI" panose="020B0502040204020203" pitchFamily="34" charset="0"/>
               </a:rPr>
-              <a:t>Primeros pasos con los notebooks. </a:t>
+              <a:t>Variables, asignaciones, </a:t>
             </a:r>
             <a:r>
               <a:rPr lang="es-ES" sz="1200" i="1" dirty="0" err="1">
@@ -4655,7 +4813,7 @@
                 <a:latin typeface="Segoe UI" panose="020B0502040204020203" pitchFamily="34" charset="0"/>
                 <a:cs typeface="Segoe UI" panose="020B0502040204020203" pitchFamily="34" charset="0"/>
               </a:rPr>
-              <a:t>Basics</a:t>
+              <a:t>print</a:t>
             </a:r>
             <a:r>
               <a:rPr lang="es-ES" sz="1200" i="1" dirty="0">
@@ -4667,50 +4825,104 @@
                 <a:latin typeface="Segoe UI" panose="020B0502040204020203" pitchFamily="34" charset="0"/>
                 <a:cs typeface="Segoe UI" panose="020B0502040204020203" pitchFamily="34" charset="0"/>
               </a:rPr>
-              <a:t> de </a:t>
-            </a:r>
-            <a:r>
-              <a:rPr lang="es-ES" sz="1200" i="1" dirty="0" err="1">
-                <a:solidFill>
-                  <a:schemeClr val="tx1">
-                    <a:lumMod val="85000"/>
-                  </a:schemeClr>
-                </a:solidFill>
-                <a:latin typeface="Segoe UI" panose="020B0502040204020203" pitchFamily="34" charset="0"/>
-                <a:cs typeface="Segoe UI" panose="020B0502040204020203" pitchFamily="34" charset="0"/>
-              </a:rPr>
-              <a:t>markdown</a:t>
-            </a:r>
-            <a:r>
-              <a:rPr lang="es-ES" sz="1200" i="1" dirty="0">
-                <a:solidFill>
-                  <a:schemeClr val="tx1">
-                    <a:lumMod val="85000"/>
-                  </a:schemeClr>
-                </a:solidFill>
-                <a:latin typeface="Segoe UI" panose="020B0502040204020203" pitchFamily="34" charset="0"/>
-                <a:cs typeface="Segoe UI" panose="020B0502040204020203" pitchFamily="34" charset="0"/>
-              </a:rPr>
-              <a:t>.</a:t>
-            </a:r>
-          </a:p>
-          <a:p>
-            <a:endParaRPr lang="es-ES" sz="1200" i="1" dirty="0">
+              <a:t>, del, comentarios.</a:t>
+            </a:r>
+            <a:endParaRPr lang="es-ES" sz="1400" b="1" dirty="0">
               <a:solidFill>
-                <a:schemeClr val="tx1">
-                  <a:lumMod val="85000"/>
-                </a:schemeClr>
+                <a:prstClr val="white">
+                  <a:lumMod val="95000"/>
+                </a:prstClr>
               </a:solidFill>
               <a:latin typeface="Segoe UI" panose="020B0502040204020203" pitchFamily="34" charset="0"/>
               <a:cs typeface="Segoe UI" panose="020B0502040204020203" pitchFamily="34" charset="0"/>
             </a:endParaRPr>
           </a:p>
           <a:p>
+            <a:pPr lvl="0"/>
+            <a:r>
+              <a:rPr lang="es-ES" sz="1200" i="1" dirty="0">
+                <a:solidFill>
+                  <a:prstClr val="white">
+                    <a:lumMod val="85000"/>
+                  </a:prstClr>
+                </a:solidFill>
+                <a:latin typeface="Segoe UI" panose="020B0502040204020203" pitchFamily="34" charset="0"/>
+                <a:cs typeface="Segoe UI" panose="020B0502040204020203" pitchFamily="34" charset="0"/>
+              </a:rPr>
+              <a:t>Comprensión de los principales tipos de datos en Python: </a:t>
+            </a:r>
+            <a:r>
+              <a:rPr lang="es-ES" sz="1200" i="1" dirty="0" err="1">
+                <a:solidFill>
+                  <a:prstClr val="white">
+                    <a:lumMod val="85000"/>
+                  </a:prstClr>
+                </a:solidFill>
+                <a:latin typeface="Segoe UI" panose="020B0502040204020203" pitchFamily="34" charset="0"/>
+                <a:cs typeface="Segoe UI" panose="020B0502040204020203" pitchFamily="34" charset="0"/>
+              </a:rPr>
+              <a:t>numerico</a:t>
+            </a:r>
+            <a:r>
+              <a:rPr lang="es-ES" sz="1200" i="1" dirty="0">
+                <a:solidFill>
+                  <a:prstClr val="white">
+                    <a:lumMod val="85000"/>
+                  </a:prstClr>
+                </a:solidFill>
+                <a:latin typeface="Segoe UI" panose="020B0502040204020203" pitchFamily="34" charset="0"/>
+                <a:cs typeface="Segoe UI" panose="020B0502040204020203" pitchFamily="34" charset="0"/>
+              </a:rPr>
+              <a:t>, cadena, lista…</a:t>
+            </a:r>
+          </a:p>
+          <a:p>
+            <a:pPr lvl="0"/>
             <a:endParaRPr lang="es-ES" sz="1200" i="1" dirty="0">
               <a:solidFill>
-                <a:schemeClr val="tx1">
+                <a:prstClr val="white">
                   <a:lumMod val="85000"/>
-                </a:schemeClr>
+                </a:prstClr>
+              </a:solidFill>
+              <a:latin typeface="Segoe UI" panose="020B0502040204020203" pitchFamily="34" charset="0"/>
+              <a:cs typeface="Segoe UI" panose="020B0502040204020203" pitchFamily="34" charset="0"/>
+            </a:endParaRPr>
+          </a:p>
+          <a:p>
+            <a:r>
+              <a:rPr lang="es-ES" sz="1400" b="1" dirty="0">
+                <a:solidFill>
+                  <a:schemeClr val="tx1">
+                    <a:lumMod val="95000"/>
+                  </a:schemeClr>
+                </a:solidFill>
+                <a:latin typeface="Segoe UI" panose="020B0502040204020203" pitchFamily="34" charset="0"/>
+                <a:cs typeface="Segoe UI" panose="020B0502040204020203" pitchFamily="34" charset="0"/>
+              </a:rPr>
+              <a:t>Ejercicios</a:t>
+            </a:r>
+          </a:p>
+          <a:p>
+            <a:r>
+              <a:rPr lang="es-ES" sz="1200" i="1" dirty="0">
+                <a:solidFill>
+                  <a:schemeClr val="tx1">
+                    <a:lumMod val="85000"/>
+                  </a:schemeClr>
+                </a:solidFill>
+                <a:latin typeface="Segoe UI" panose="020B0502040204020203" pitchFamily="34" charset="0"/>
+                <a:cs typeface="Segoe UI" panose="020B0502040204020203" pitchFamily="34" charset="0"/>
+              </a:rPr>
+              <a:t>Repaso de lo visto en el día</a:t>
+            </a:r>
+          </a:p>
+          <a:p>
+            <a:pPr lvl="0"/>
+            <a:endParaRPr lang="es-ES" sz="1200" i="1" dirty="0">
+              <a:solidFill>
+                <a:prstClr val="white">
+                  <a:lumMod val="85000"/>
+                </a:prstClr>
               </a:solidFill>
               <a:latin typeface="Segoe UI" panose="020B0502040204020203" pitchFamily="34" charset="0"/>
               <a:cs typeface="Segoe UI" panose="020B0502040204020203" pitchFamily="34" charset="0"/>
@@ -4840,7 +5052,7 @@
         <p:spPr>
           <a:xfrm>
             <a:off x="6928596" y="2543121"/>
-            <a:ext cx="4763317" cy="3170099"/>
+            <a:ext cx="4763317" cy="3724096"/>
           </a:xfrm>
           <a:prstGeom prst="rect">
             <a:avLst/>
@@ -5013,6 +5225,18 @@
           </a:p>
           <a:p>
             <a:r>
+              <a:rPr lang="es-ES" sz="1400" b="1" dirty="0" err="1">
+                <a:solidFill>
+                  <a:schemeClr val="tx1">
+                    <a:lumMod val="95000"/>
+                  </a:schemeClr>
+                </a:solidFill>
+                <a:latin typeface="Segoe UI" panose="020B0502040204020203" pitchFamily="34" charset="0"/>
+                <a:cs typeface="Segoe UI" panose="020B0502040204020203" pitchFamily="34" charset="0"/>
+              </a:rPr>
+              <a:t>Jupyter</a:t>
+            </a:r>
+            <a:r>
               <a:rPr lang="es-ES" sz="1400" b="1" dirty="0">
                 <a:solidFill>
                   <a:schemeClr val="tx1">
@@ -5022,7 +5246,7 @@
                 <a:latin typeface="Segoe UI" panose="020B0502040204020203" pitchFamily="34" charset="0"/>
                 <a:cs typeface="Segoe UI" panose="020B0502040204020203" pitchFamily="34" charset="0"/>
               </a:rPr>
-              <a:t>Git/GitHub</a:t>
+              <a:t> Notebook</a:t>
             </a:r>
           </a:p>
           <a:p>
@@ -5036,7 +5260,31 @@
                 <a:latin typeface="Segoe UI" panose="020B0502040204020203" pitchFamily="34" charset="0"/>
                 <a:cs typeface="Segoe UI" panose="020B0502040204020203" pitchFamily="34" charset="0"/>
               </a:rPr>
-              <a:t>Instalación y uso de herramientas de control de versiones de software</a:t>
+              <a:t>Crear celdas, primeras líneas de código en Python y escribir en </a:t>
+            </a:r>
+            <a:r>
+              <a:rPr lang="es-ES" sz="1200" i="1" dirty="0" err="1">
+                <a:solidFill>
+                  <a:schemeClr val="tx1">
+                    <a:lumMod val="85000"/>
+                  </a:schemeClr>
+                </a:solidFill>
+                <a:latin typeface="Segoe UI" panose="020B0502040204020203" pitchFamily="34" charset="0"/>
+                <a:cs typeface="Segoe UI" panose="020B0502040204020203" pitchFamily="34" charset="0"/>
+              </a:rPr>
+              <a:t>markdown</a:t>
+            </a:r>
+            <a:r>
+              <a:rPr lang="es-ES" sz="1200" i="1" dirty="0">
+                <a:solidFill>
+                  <a:schemeClr val="tx1">
+                    <a:lumMod val="85000"/>
+                  </a:schemeClr>
+                </a:solidFill>
+                <a:latin typeface="Segoe UI" panose="020B0502040204020203" pitchFamily="34" charset="0"/>
+                <a:cs typeface="Segoe UI" panose="020B0502040204020203" pitchFamily="34" charset="0"/>
+              </a:rPr>
+              <a:t>.</a:t>
             </a:r>
           </a:p>
           <a:p>
@@ -5052,6 +5300,18 @@
           </a:p>
           <a:p>
             <a:r>
+              <a:rPr lang="es-ES" sz="1400" b="1" dirty="0">
+                <a:solidFill>
+                  <a:schemeClr val="tx1">
+                    <a:lumMod val="95000"/>
+                  </a:schemeClr>
+                </a:solidFill>
+                <a:latin typeface="Segoe UI" panose="020B0502040204020203" pitchFamily="34" charset="0"/>
+                <a:cs typeface="Segoe UI" panose="020B0502040204020203" pitchFamily="34" charset="0"/>
+              </a:rPr>
+              <a:t>Python </a:t>
+            </a:r>
+            <a:r>
               <a:rPr lang="es-ES" sz="1400" b="1" dirty="0" err="1">
                 <a:solidFill>
                   <a:schemeClr val="tx1">
@@ -5061,7 +5321,7 @@
                 <a:latin typeface="Segoe UI" panose="020B0502040204020203" pitchFamily="34" charset="0"/>
                 <a:cs typeface="Segoe UI" panose="020B0502040204020203" pitchFamily="34" charset="0"/>
               </a:rPr>
-              <a:t>Jupyter</a:t>
+              <a:t>Basics</a:t>
             </a:r>
             <a:r>
               <a:rPr lang="es-ES" sz="1400" b="1" dirty="0">
@@ -5073,7 +5333,7 @@
                 <a:latin typeface="Segoe UI" panose="020B0502040204020203" pitchFamily="34" charset="0"/>
                 <a:cs typeface="Segoe UI" panose="020B0502040204020203" pitchFamily="34" charset="0"/>
               </a:rPr>
-              <a:t> Notebook</a:t>
+              <a:t> I</a:t>
             </a:r>
           </a:p>
           <a:p>
@@ -5087,10 +5347,12 @@
                 <a:latin typeface="Segoe UI" panose="020B0502040204020203" pitchFamily="34" charset="0"/>
                 <a:cs typeface="Segoe UI" panose="020B0502040204020203" pitchFamily="34" charset="0"/>
               </a:rPr>
-              <a:t>Crear celdas, primeras líneas de código en Python y escribir en </a:t>
-            </a:r>
-            <a:r>
-              <a:rPr lang="es-ES" sz="1200" i="1" dirty="0" err="1">
+              <a:t>Crear tu primer programa de Python.</a:t>
+            </a:r>
+          </a:p>
+          <a:p>
+            <a:r>
+              <a:rPr lang="es-ES" sz="1200" i="1" dirty="0">
                 <a:solidFill>
                   <a:schemeClr val="tx1">
                     <a:lumMod val="85000"/>
@@ -5099,8 +5361,10 @@
                 <a:latin typeface="Segoe UI" panose="020B0502040204020203" pitchFamily="34" charset="0"/>
                 <a:cs typeface="Segoe UI" panose="020B0502040204020203" pitchFamily="34" charset="0"/>
               </a:rPr>
-              <a:t>markdown</a:t>
-            </a:r>
+              <a:t>Asignación de variables</a:t>
+            </a:r>
+          </a:p>
+          <a:p>
             <a:r>
               <a:rPr lang="es-ES" sz="1200" i="1" dirty="0">
                 <a:solidFill>
@@ -5111,30 +5375,50 @@
                 <a:latin typeface="Segoe UI" panose="020B0502040204020203" pitchFamily="34" charset="0"/>
                 <a:cs typeface="Segoe UI" panose="020B0502040204020203" pitchFamily="34" charset="0"/>
               </a:rPr>
-              <a:t>.</a:t>
-            </a:r>
-          </a:p>
-          <a:p>
-            <a:endParaRPr lang="es-ES" sz="1200" i="1" dirty="0">
-              <a:solidFill>
-                <a:schemeClr val="tx1">
-                  <a:lumMod val="85000"/>
-                </a:schemeClr>
-              </a:solidFill>
-              <a:latin typeface="Segoe UI" panose="020B0502040204020203" pitchFamily="34" charset="0"/>
-              <a:cs typeface="Segoe UI" panose="020B0502040204020203" pitchFamily="34" charset="0"/>
-            </a:endParaRPr>
-          </a:p>
-          <a:p>
-            <a:endParaRPr lang="es-ES" sz="1200" i="1" dirty="0">
-              <a:solidFill>
-                <a:schemeClr val="tx1">
-                  <a:lumMod val="85000"/>
-                </a:schemeClr>
-              </a:solidFill>
-              <a:latin typeface="Segoe UI" panose="020B0502040204020203" pitchFamily="34" charset="0"/>
-              <a:cs typeface="Segoe UI" panose="020B0502040204020203" pitchFamily="34" charset="0"/>
-            </a:endParaRPr>
+              <a:t>Escribir comentarios</a:t>
+            </a:r>
+          </a:p>
+          <a:p>
+            <a:r>
+              <a:rPr lang="es-ES" sz="1200" i="1" dirty="0">
+                <a:solidFill>
+                  <a:schemeClr val="tx1">
+                    <a:lumMod val="85000"/>
+                  </a:schemeClr>
+                </a:solidFill>
+                <a:latin typeface="Segoe UI" panose="020B0502040204020203" pitchFamily="34" charset="0"/>
+                <a:cs typeface="Segoe UI" panose="020B0502040204020203" pitchFamily="34" charset="0"/>
+              </a:rPr>
+              <a:t>Identificar los tipos de datos en Python</a:t>
+            </a:r>
+          </a:p>
+          <a:p>
+            <a:r>
+              <a:rPr lang="es-ES" sz="1200" i="1" dirty="0">
+                <a:solidFill>
+                  <a:schemeClr val="tx1">
+                    <a:lumMod val="85000"/>
+                  </a:schemeClr>
+                </a:solidFill>
+                <a:latin typeface="Segoe UI" panose="020B0502040204020203" pitchFamily="34" charset="0"/>
+                <a:cs typeface="Segoe UI" panose="020B0502040204020203" pitchFamily="34" charset="0"/>
+              </a:rPr>
+              <a:t>Convertir los tipos de datos de unos a otros</a:t>
+            </a:r>
+          </a:p>
+          <a:p>
+            <a:r>
+              <a:rPr lang="es-ES" sz="1200" i="1" dirty="0">
+                <a:solidFill>
+                  <a:schemeClr val="tx1">
+                    <a:lumMod val="85000"/>
+                  </a:schemeClr>
+                </a:solidFill>
+                <a:latin typeface="Segoe UI" panose="020B0502040204020203" pitchFamily="34" charset="0"/>
+                <a:cs typeface="Segoe UI" panose="020B0502040204020203" pitchFamily="34" charset="0"/>
+              </a:rPr>
+              <a:t>Solventar primeros errores</a:t>
+            </a:r>
           </a:p>
           <a:p>
             <a:endParaRPr lang="es-ES" sz="1200" i="1" dirty="0">
@@ -5419,7 +5703,7 @@
         <p:spPr>
           <a:xfrm>
             <a:off x="617680" y="2543121"/>
-            <a:ext cx="4682836" cy="3354765"/>
+            <a:ext cx="4682836" cy="3908762"/>
           </a:xfrm>
           <a:prstGeom prst="rect">
             <a:avLst/>
@@ -5432,127 +5716,132 @@
           </a:bodyPr>
           <a:lstStyle/>
           <a:p>
-            <a:r>
-              <a:rPr lang="es-ES" sz="1400" b="1" dirty="0">
-                <a:solidFill>
-                  <a:schemeClr val="tx1">
-                    <a:lumMod val="95000"/>
-                  </a:schemeClr>
-                </a:solidFill>
-                <a:latin typeface="Segoe UI" panose="020B0502040204020203" pitchFamily="34" charset="0"/>
-                <a:cs typeface="Segoe UI" panose="020B0502040204020203" pitchFamily="34" charset="0"/>
-              </a:rPr>
-              <a:t>Python </a:t>
-            </a:r>
-            <a:r>
-              <a:rPr lang="es-ES" sz="1400" b="1" dirty="0" err="1">
-                <a:solidFill>
-                  <a:schemeClr val="tx1">
-                    <a:lumMod val="95000"/>
-                  </a:schemeClr>
-                </a:solidFill>
-                <a:latin typeface="Segoe UI" panose="020B0502040204020203" pitchFamily="34" charset="0"/>
-                <a:cs typeface="Segoe UI" panose="020B0502040204020203" pitchFamily="34" charset="0"/>
-              </a:rPr>
-              <a:t>Basics</a:t>
-            </a:r>
-            <a:r>
-              <a:rPr lang="es-ES" sz="1400" b="1" dirty="0">
-                <a:solidFill>
-                  <a:schemeClr val="tx1">
-                    <a:lumMod val="95000"/>
-                  </a:schemeClr>
-                </a:solidFill>
-                <a:latin typeface="Segoe UI" panose="020B0502040204020203" pitchFamily="34" charset="0"/>
-                <a:cs typeface="Segoe UI" panose="020B0502040204020203" pitchFamily="34" charset="0"/>
-              </a:rPr>
-              <a:t> I</a:t>
-            </a:r>
-          </a:p>
-          <a:p>
-            <a:r>
-              <a:rPr lang="es-ES" sz="1200" i="1" dirty="0">
-                <a:solidFill>
-                  <a:schemeClr val="tx1">
-                    <a:lumMod val="85000"/>
-                  </a:schemeClr>
-                </a:solidFill>
-                <a:latin typeface="Segoe UI" panose="020B0502040204020203" pitchFamily="34" charset="0"/>
-                <a:cs typeface="Segoe UI" panose="020B0502040204020203" pitchFamily="34" charset="0"/>
-              </a:rPr>
-              <a:t>Variables, flujos de ejecución, asignaciones, </a:t>
-            </a:r>
-            <a:r>
-              <a:rPr lang="es-ES" sz="1200" i="1" dirty="0" err="1">
-                <a:solidFill>
-                  <a:schemeClr val="tx1">
-                    <a:lumMod val="85000"/>
-                  </a:schemeClr>
-                </a:solidFill>
-                <a:latin typeface="Segoe UI" panose="020B0502040204020203" pitchFamily="34" charset="0"/>
-                <a:cs typeface="Segoe UI" panose="020B0502040204020203" pitchFamily="34" charset="0"/>
-              </a:rPr>
-              <a:t>print</a:t>
-            </a:r>
-            <a:r>
-              <a:rPr lang="es-ES" sz="1200" i="1" dirty="0">
-                <a:solidFill>
-                  <a:schemeClr val="tx1">
-                    <a:lumMod val="85000"/>
-                  </a:schemeClr>
-                </a:solidFill>
-                <a:latin typeface="Segoe UI" panose="020B0502040204020203" pitchFamily="34" charset="0"/>
-                <a:cs typeface="Segoe UI" panose="020B0502040204020203" pitchFamily="34" charset="0"/>
-              </a:rPr>
-              <a:t>, del, comentarios.</a:t>
-            </a:r>
-            <a:endParaRPr lang="es-ES" sz="1400" b="1" dirty="0">
+            <a:endParaRPr lang="es-ES" sz="1200" i="1" dirty="0">
               <a:solidFill>
-                <a:prstClr val="white">
-                  <a:lumMod val="95000"/>
-                </a:prstClr>
+                <a:schemeClr val="tx1">
+                  <a:lumMod val="85000"/>
+                </a:schemeClr>
               </a:solidFill>
               <a:latin typeface="Segoe UI" panose="020B0502040204020203" pitchFamily="34" charset="0"/>
               <a:cs typeface="Segoe UI" panose="020B0502040204020203" pitchFamily="34" charset="0"/>
             </a:endParaRPr>
           </a:p>
           <a:p>
-            <a:pPr lvl="0"/>
+            <a:r>
+              <a:rPr lang="es-ES" sz="1400" b="1" dirty="0">
+                <a:solidFill>
+                  <a:schemeClr val="tx1">
+                    <a:lumMod val="95000"/>
+                  </a:schemeClr>
+                </a:solidFill>
+                <a:latin typeface="Segoe UI" panose="020B0502040204020203" pitchFamily="34" charset="0"/>
+                <a:cs typeface="Segoe UI" panose="020B0502040204020203" pitchFamily="34" charset="0"/>
+              </a:rPr>
+              <a:t>Python </a:t>
+            </a:r>
+            <a:r>
+              <a:rPr lang="es-ES" sz="1400" b="1" dirty="0" err="1">
+                <a:solidFill>
+                  <a:schemeClr val="tx1">
+                    <a:lumMod val="95000"/>
+                  </a:schemeClr>
+                </a:solidFill>
+                <a:latin typeface="Segoe UI" panose="020B0502040204020203" pitchFamily="34" charset="0"/>
+                <a:cs typeface="Segoe UI" panose="020B0502040204020203" pitchFamily="34" charset="0"/>
+              </a:rPr>
+              <a:t>Basics</a:t>
+            </a:r>
+            <a:r>
+              <a:rPr lang="es-ES" sz="1400" b="1" dirty="0">
+                <a:solidFill>
+                  <a:schemeClr val="tx1">
+                    <a:lumMod val="95000"/>
+                  </a:schemeClr>
+                </a:solidFill>
+                <a:latin typeface="Segoe UI" panose="020B0502040204020203" pitchFamily="34" charset="0"/>
+                <a:cs typeface="Segoe UI" panose="020B0502040204020203" pitchFamily="34" charset="0"/>
+              </a:rPr>
+              <a:t> II</a:t>
+            </a:r>
+          </a:p>
+          <a:p>
             <a:r>
               <a:rPr lang="es-ES" sz="1200" i="1" dirty="0">
                 <a:solidFill>
-                  <a:prstClr val="white">
+                  <a:schemeClr val="tx1">
                     <a:lumMod val="85000"/>
-                  </a:prstClr>
-                </a:solidFill>
-                <a:latin typeface="Segoe UI" panose="020B0502040204020203" pitchFamily="34" charset="0"/>
-                <a:cs typeface="Segoe UI" panose="020B0502040204020203" pitchFamily="34" charset="0"/>
-              </a:rPr>
-              <a:t>Comprensión de los principales tipos de datos en Python: </a:t>
+                  </a:schemeClr>
+                </a:solidFill>
+                <a:latin typeface="Segoe UI" panose="020B0502040204020203" pitchFamily="34" charset="0"/>
+                <a:cs typeface="Segoe UI" panose="020B0502040204020203" pitchFamily="34" charset="0"/>
+              </a:rPr>
+              <a:t>Operaciones aritméticas, comparativas y con booleanos.</a:t>
+            </a:r>
+          </a:p>
+          <a:p>
+            <a:r>
+              <a:rPr lang="es-ES" sz="1200" i="1" dirty="0">
+                <a:solidFill>
+                  <a:schemeClr val="tx1">
+                    <a:lumMod val="85000"/>
+                  </a:schemeClr>
+                </a:solidFill>
+                <a:latin typeface="Segoe UI" panose="020B0502040204020203" pitchFamily="34" charset="0"/>
+                <a:cs typeface="Segoe UI" panose="020B0502040204020203" pitchFamily="34" charset="0"/>
+              </a:rPr>
+              <a:t>Funciones </a:t>
             </a:r>
             <a:r>
               <a:rPr lang="es-ES" sz="1200" i="1" dirty="0" err="1">
                 <a:solidFill>
-                  <a:prstClr val="white">
+                  <a:schemeClr val="tx1">
                     <a:lumMod val="85000"/>
-                  </a:prstClr>
-                </a:solidFill>
-                <a:latin typeface="Segoe UI" panose="020B0502040204020203" pitchFamily="34" charset="0"/>
-                <a:cs typeface="Segoe UI" panose="020B0502040204020203" pitchFamily="34" charset="0"/>
-              </a:rPr>
-              <a:t>numerico</a:t>
+                  </a:schemeClr>
+                </a:solidFill>
+                <a:latin typeface="Segoe UI" panose="020B0502040204020203" pitchFamily="34" charset="0"/>
+                <a:cs typeface="Segoe UI" panose="020B0502040204020203" pitchFamily="34" charset="0"/>
+              </a:rPr>
+              <a:t>built</a:t>
             </a:r>
             <a:r>
               <a:rPr lang="es-ES" sz="1200" i="1" dirty="0">
                 <a:solidFill>
-                  <a:prstClr val="white">
+                  <a:schemeClr val="tx1">
                     <a:lumMod val="85000"/>
-                  </a:prstClr>
-                </a:solidFill>
-                <a:latin typeface="Segoe UI" panose="020B0502040204020203" pitchFamily="34" charset="0"/>
-                <a:cs typeface="Segoe UI" panose="020B0502040204020203" pitchFamily="34" charset="0"/>
-              </a:rPr>
-              <a:t>, cadena, lista…</a:t>
+                  </a:schemeClr>
+                </a:solidFill>
+                <a:latin typeface="Segoe UI" panose="020B0502040204020203" pitchFamily="34" charset="0"/>
+                <a:cs typeface="Segoe UI" panose="020B0502040204020203" pitchFamily="34" charset="0"/>
+              </a:rPr>
+              <a:t>-in</a:t>
+            </a:r>
+          </a:p>
+          <a:p>
+            <a:r>
+              <a:rPr lang="es-ES" sz="1200" i="1" dirty="0">
+                <a:solidFill>
+                  <a:schemeClr val="tx1">
+                    <a:lumMod val="85000"/>
+                  </a:schemeClr>
+                </a:solidFill>
+                <a:latin typeface="Segoe UI" panose="020B0502040204020203" pitchFamily="34" charset="0"/>
+                <a:cs typeface="Segoe UI" panose="020B0502040204020203" pitchFamily="34" charset="0"/>
+              </a:rPr>
+              <a:t>Métodos</a:t>
+            </a:r>
+          </a:p>
+          <a:p>
+            <a:r>
+              <a:rPr lang="es-ES" sz="1200" i="1" dirty="0">
+                <a:solidFill>
+                  <a:schemeClr val="tx1">
+                    <a:lumMod val="85000"/>
+                  </a:schemeClr>
+                </a:solidFill>
+                <a:latin typeface="Segoe UI" panose="020B0502040204020203" pitchFamily="34" charset="0"/>
+                <a:cs typeface="Segoe UI" panose="020B0502040204020203" pitchFamily="34" charset="0"/>
+              </a:rPr>
+              <a:t>Listas</a:t>
             </a:r>
           </a:p>
           <a:p>
@@ -5577,7 +5866,7 @@
                 <a:latin typeface="Segoe UI" panose="020B0502040204020203" pitchFamily="34" charset="0"/>
                 <a:cs typeface="Segoe UI" panose="020B0502040204020203" pitchFamily="34" charset="0"/>
               </a:rPr>
-              <a:t>Ejercicios</a:t>
+              <a:t>Resolución de problemas</a:t>
             </a:r>
           </a:p>
           <a:p>
@@ -5591,7 +5880,21 @@
                 <a:latin typeface="Segoe UI" panose="020B0502040204020203" pitchFamily="34" charset="0"/>
                 <a:cs typeface="Segoe UI" panose="020B0502040204020203" pitchFamily="34" charset="0"/>
               </a:rPr>
-              <a:t>Ejercicios de comprensión y repaso de lo visto en el </a:t>
+              <a:t>Donde acudir cuando tenemos errores, o necesitamos consultar una documentación.</a:t>
+            </a:r>
+          </a:p>
+          <a:p>
+            <a:r>
+              <a:rPr lang="es-ES" sz="1200" i="1" dirty="0">
+                <a:solidFill>
+                  <a:schemeClr val="tx1">
+                    <a:lumMod val="85000"/>
+                  </a:schemeClr>
+                </a:solidFill>
+                <a:latin typeface="Segoe UI" panose="020B0502040204020203" pitchFamily="34" charset="0"/>
+                <a:cs typeface="Segoe UI" panose="020B0502040204020203" pitchFamily="34" charset="0"/>
+              </a:rPr>
+              <a:t>Identificar los errores más comunes que te puedes encontrar en la declaración de variables, conversión de tipos, </a:t>
             </a:r>
             <a:r>
               <a:rPr lang="es-ES" sz="1200" i="1" dirty="0" err="1">
@@ -5603,8 +5906,22 @@
                 <a:latin typeface="Segoe UI" panose="020B0502040204020203" pitchFamily="34" charset="0"/>
                 <a:cs typeface="Segoe UI" panose="020B0502040204020203" pitchFamily="34" charset="0"/>
               </a:rPr>
-              <a:t>dia</a:t>
-            </a:r>
+              <a:t>etc</a:t>
+            </a:r>
+            <a:r>
+              <a:rPr lang="es-ES" sz="1200" i="1" dirty="0">
+                <a:solidFill>
+                  <a:schemeClr val="tx1">
+                    <a:lumMod val="85000"/>
+                  </a:schemeClr>
+                </a:solidFill>
+                <a:latin typeface="Segoe UI" panose="020B0502040204020203" pitchFamily="34" charset="0"/>
+                <a:cs typeface="Segoe UI" panose="020B0502040204020203" pitchFamily="34" charset="0"/>
+              </a:rPr>
+              <a:t>…</a:t>
+            </a:r>
+          </a:p>
+          <a:p>
             <a:endParaRPr lang="es-ES" sz="1200" i="1" dirty="0">
               <a:solidFill>
                 <a:schemeClr val="tx1">
@@ -5616,6 +5933,34 @@
             </a:endParaRPr>
           </a:p>
           <a:p>
+            <a:r>
+              <a:rPr lang="es-ES" sz="1400" b="1" dirty="0">
+                <a:solidFill>
+                  <a:schemeClr val="tx1">
+                    <a:lumMod val="95000"/>
+                  </a:schemeClr>
+                </a:solidFill>
+                <a:latin typeface="Segoe UI" panose="020B0502040204020203" pitchFamily="34" charset="0"/>
+                <a:cs typeface="Segoe UI" panose="020B0502040204020203" pitchFamily="34" charset="0"/>
+              </a:rPr>
+              <a:t>Ejercicios</a:t>
+            </a:r>
+          </a:p>
+          <a:p>
+            <a:r>
+              <a:rPr lang="es-ES" sz="1200" i="1" dirty="0">
+                <a:solidFill>
+                  <a:schemeClr val="tx1">
+                    <a:lumMod val="85000"/>
+                  </a:schemeClr>
+                </a:solidFill>
+                <a:latin typeface="Segoe UI" panose="020B0502040204020203" pitchFamily="34" charset="0"/>
+                <a:cs typeface="Segoe UI" panose="020B0502040204020203" pitchFamily="34" charset="0"/>
+              </a:rPr>
+              <a:t>Repaso de lo visto en el día</a:t>
+            </a:r>
+          </a:p>
+          <a:p>
             <a:endParaRPr lang="es-ES" sz="1200" i="1" dirty="0">
               <a:solidFill>
                 <a:schemeClr val="tx1">
@@ -5625,72 +5970,6 @@
               <a:latin typeface="Segoe UI" panose="020B0502040204020203" pitchFamily="34" charset="0"/>
               <a:cs typeface="Segoe UI" panose="020B0502040204020203" pitchFamily="34" charset="0"/>
             </a:endParaRPr>
-          </a:p>
-          <a:p>
-            <a:r>
-              <a:rPr lang="es-ES" sz="1400" b="1" dirty="0">
-                <a:solidFill>
-                  <a:schemeClr val="tx1">
-                    <a:lumMod val="95000"/>
-                  </a:schemeClr>
-                </a:solidFill>
-                <a:latin typeface="Segoe UI" panose="020B0502040204020203" pitchFamily="34" charset="0"/>
-                <a:cs typeface="Segoe UI" panose="020B0502040204020203" pitchFamily="34" charset="0"/>
-              </a:rPr>
-              <a:t>Resolución de problemas</a:t>
-            </a:r>
-          </a:p>
-          <a:p>
-            <a:r>
-              <a:rPr lang="es-ES" sz="1200" i="1" dirty="0">
-                <a:solidFill>
-                  <a:schemeClr val="tx1">
-                    <a:lumMod val="85000"/>
-                  </a:schemeClr>
-                </a:solidFill>
-                <a:latin typeface="Segoe UI" panose="020B0502040204020203" pitchFamily="34" charset="0"/>
-                <a:cs typeface="Segoe UI" panose="020B0502040204020203" pitchFamily="34" charset="0"/>
-              </a:rPr>
-              <a:t>Donde acudir cuando tenemos errores, o necesitamos consultar una documentación.</a:t>
-            </a:r>
-          </a:p>
-          <a:p>
-            <a:r>
-              <a:rPr lang="es-ES" sz="1200" i="1" dirty="0">
-                <a:solidFill>
-                  <a:schemeClr val="tx1">
-                    <a:lumMod val="85000"/>
-                  </a:schemeClr>
-                </a:solidFill>
-                <a:latin typeface="Segoe UI" panose="020B0502040204020203" pitchFamily="34" charset="0"/>
-                <a:cs typeface="Segoe UI" panose="020B0502040204020203" pitchFamily="34" charset="0"/>
-              </a:rPr>
-              <a:t>Identificar los errores más comunes que te puedes encontrar en la declaración de variables, conversión de tipos, </a:t>
-            </a:r>
-            <a:r>
-              <a:rPr lang="es-ES" sz="1200" i="1" dirty="0" err="1">
-                <a:solidFill>
-                  <a:schemeClr val="tx1">
-                    <a:lumMod val="85000"/>
-                  </a:schemeClr>
-                </a:solidFill>
-                <a:latin typeface="Segoe UI" panose="020B0502040204020203" pitchFamily="34" charset="0"/>
-                <a:cs typeface="Segoe UI" panose="020B0502040204020203" pitchFamily="34" charset="0"/>
-              </a:rPr>
-              <a:t>etc</a:t>
-            </a:r>
-            <a:r>
-              <a:rPr lang="es-ES" sz="1200" i="1" dirty="0">
-                <a:solidFill>
-                  <a:schemeClr val="tx1">
-                    <a:lumMod val="85000"/>
-                  </a:schemeClr>
-                </a:solidFill>
-                <a:latin typeface="Segoe UI" panose="020B0502040204020203" pitchFamily="34" charset="0"/>
-                <a:cs typeface="Segoe UI" panose="020B0502040204020203" pitchFamily="34" charset="0"/>
-              </a:rPr>
-              <a:t>…</a:t>
-            </a:r>
           </a:p>
           <a:p>
             <a:endParaRPr lang="es-ES" sz="1200" i="1" dirty="0">
@@ -5849,7 +6128,7 @@
         <p:spPr>
           <a:xfrm>
             <a:off x="6928596" y="2543121"/>
-            <a:ext cx="4763317" cy="2339102"/>
+            <a:ext cx="4763317" cy="2739211"/>
           </a:xfrm>
           <a:prstGeom prst="rect">
             <a:avLst/>
@@ -5896,7 +6175,7 @@
                 <a:latin typeface="Segoe UI" panose="020B0502040204020203" pitchFamily="34" charset="0"/>
                 <a:cs typeface="Segoe UI" panose="020B0502040204020203" pitchFamily="34" charset="0"/>
               </a:rPr>
-              <a:t> I</a:t>
+              <a:t> II</a:t>
             </a:r>
           </a:p>
           <a:p>
@@ -5910,7 +6189,7 @@
                 <a:latin typeface="Segoe UI" panose="020B0502040204020203" pitchFamily="34" charset="0"/>
                 <a:cs typeface="Segoe UI" panose="020B0502040204020203" pitchFamily="34" charset="0"/>
               </a:rPr>
-              <a:t>Crear tu primer programa de Python.</a:t>
+              <a:t>Realizar todo tipo de operaciones matemáticas en Python</a:t>
             </a:r>
           </a:p>
           <a:p>
@@ -5924,7 +6203,7 @@
                 <a:latin typeface="Segoe UI" panose="020B0502040204020203" pitchFamily="34" charset="0"/>
                 <a:cs typeface="Segoe UI" panose="020B0502040204020203" pitchFamily="34" charset="0"/>
               </a:rPr>
-              <a:t>Asignación de variables</a:t>
+              <a:t>Utilizar el algebra de Boole y condicionar los programas</a:t>
             </a:r>
           </a:p>
           <a:p>
@@ -5938,49 +6217,7 @@
                 <a:latin typeface="Segoe UI" panose="020B0502040204020203" pitchFamily="34" charset="0"/>
                 <a:cs typeface="Segoe UI" panose="020B0502040204020203" pitchFamily="34" charset="0"/>
               </a:rPr>
-              <a:t>Escribir comentarios</a:t>
-            </a:r>
-          </a:p>
-          <a:p>
-            <a:r>
-              <a:rPr lang="es-ES" sz="1200" i="1" dirty="0">
-                <a:solidFill>
-                  <a:schemeClr val="tx1">
-                    <a:lumMod val="85000"/>
-                  </a:schemeClr>
-                </a:solidFill>
-                <a:latin typeface="Segoe UI" panose="020B0502040204020203" pitchFamily="34" charset="0"/>
-                <a:cs typeface="Segoe UI" panose="020B0502040204020203" pitchFamily="34" charset="0"/>
-              </a:rPr>
-              <a:t>Identificar los tipos de datos en Python</a:t>
-            </a:r>
-          </a:p>
-          <a:p>
-            <a:r>
-              <a:rPr lang="es-ES" sz="1200" i="1" dirty="0">
-                <a:solidFill>
-                  <a:schemeClr val="tx1">
-                    <a:lumMod val="85000"/>
-                  </a:schemeClr>
-                </a:solidFill>
-                <a:latin typeface="Segoe UI" panose="020B0502040204020203" pitchFamily="34" charset="0"/>
-                <a:cs typeface="Segoe UI" panose="020B0502040204020203" pitchFamily="34" charset="0"/>
-              </a:rPr>
-              <a:t>Convertir los tipos de datos de unos a otros</a:t>
-            </a:r>
-          </a:p>
-          <a:p>
-            <a:r>
-              <a:rPr lang="es-ES" sz="1200" i="1" dirty="0">
-                <a:solidFill>
-                  <a:schemeClr val="tx1">
-                    <a:lumMod val="85000"/>
-                  </a:schemeClr>
-                </a:solidFill>
-                <a:latin typeface="Segoe UI" panose="020B0502040204020203" pitchFamily="34" charset="0"/>
-                <a:cs typeface="Segoe UI" panose="020B0502040204020203" pitchFamily="34" charset="0"/>
-              </a:rPr>
-              <a:t>Solventar primeros errores</a:t>
+              <a:t>Agrupar elementos en listas</a:t>
             </a:r>
           </a:p>
           <a:p>
@@ -5993,6 +6230,70 @@
               <a:latin typeface="Segoe UI" panose="020B0502040204020203" pitchFamily="34" charset="0"/>
               <a:cs typeface="Segoe UI" panose="020B0502040204020203" pitchFamily="34" charset="0"/>
             </a:endParaRPr>
+          </a:p>
+          <a:p>
+            <a:endParaRPr lang="es-ES" sz="1200" i="1" dirty="0">
+              <a:solidFill>
+                <a:schemeClr val="tx1">
+                  <a:lumMod val="85000"/>
+                </a:schemeClr>
+              </a:solidFill>
+              <a:latin typeface="Segoe UI" panose="020B0502040204020203" pitchFamily="34" charset="0"/>
+              <a:cs typeface="Segoe UI" panose="020B0502040204020203" pitchFamily="34" charset="0"/>
+            </a:endParaRPr>
+          </a:p>
+          <a:p>
+            <a:endParaRPr lang="es-ES" sz="1200" i="1" dirty="0">
+              <a:solidFill>
+                <a:schemeClr val="tx1">
+                  <a:lumMod val="85000"/>
+                </a:schemeClr>
+              </a:solidFill>
+              <a:latin typeface="Segoe UI" panose="020B0502040204020203" pitchFamily="34" charset="0"/>
+              <a:cs typeface="Segoe UI" panose="020B0502040204020203" pitchFamily="34" charset="0"/>
+            </a:endParaRPr>
+          </a:p>
+          <a:p>
+            <a:r>
+              <a:rPr lang="es-ES" sz="1400" b="1" dirty="0">
+                <a:solidFill>
+                  <a:schemeClr val="tx1">
+                    <a:lumMod val="95000"/>
+                  </a:schemeClr>
+                </a:solidFill>
+                <a:latin typeface="Segoe UI" panose="020B0502040204020203" pitchFamily="34" charset="0"/>
+                <a:cs typeface="Segoe UI" panose="020B0502040204020203" pitchFamily="34" charset="0"/>
+              </a:rPr>
+              <a:t>Resolución de problemas</a:t>
+            </a:r>
+          </a:p>
+          <a:p>
+            <a:r>
+              <a:rPr lang="es-ES" sz="1200" i="1" dirty="0">
+                <a:solidFill>
+                  <a:schemeClr val="tx1">
+                    <a:lumMod val="85000"/>
+                  </a:schemeClr>
+                </a:solidFill>
+                <a:latin typeface="Segoe UI" panose="020B0502040204020203" pitchFamily="34" charset="0"/>
+                <a:cs typeface="Segoe UI" panose="020B0502040204020203" pitchFamily="34" charset="0"/>
+              </a:rPr>
+              <a:t>Aprender a enfrentarnos a errores</a:t>
+            </a:r>
+          </a:p>
+          <a:p>
+            <a:r>
+              <a:rPr lang="es-ES" sz="1200" i="1" dirty="0">
+                <a:solidFill>
+                  <a:schemeClr val="tx1">
+                    <a:lumMod val="85000"/>
+                  </a:schemeClr>
+                </a:solidFill>
+                <a:latin typeface="Segoe UI" panose="020B0502040204020203" pitchFamily="34" charset="0"/>
+                <a:cs typeface="Segoe UI" panose="020B0502040204020203" pitchFamily="34" charset="0"/>
+              </a:rPr>
+              <a:t>Saber dónde buscar los errores en la web.</a:t>
+            </a:r>
           </a:p>
           <a:p>
             <a:endParaRPr lang="es-ES" sz="1200" i="1" dirty="0">
@@ -6333,31 +6634,7 @@
                 <a:latin typeface="Segoe UI" panose="020B0502040204020203" pitchFamily="34" charset="0"/>
                 <a:cs typeface="Segoe UI" panose="020B0502040204020203" pitchFamily="34" charset="0"/>
               </a:rPr>
-              <a:t>Python </a:t>
-            </a:r>
-            <a:r>
-              <a:rPr lang="es-ES" sz="1400" b="1" dirty="0" err="1">
-                <a:solidFill>
-                  <a:schemeClr val="tx1">
-                    <a:lumMod val="95000"/>
-                  </a:schemeClr>
-                </a:solidFill>
-                <a:latin typeface="Segoe UI" panose="020B0502040204020203" pitchFamily="34" charset="0"/>
-                <a:cs typeface="Segoe UI" panose="020B0502040204020203" pitchFamily="34" charset="0"/>
-              </a:rPr>
-              <a:t>Basics</a:t>
-            </a:r>
-            <a:r>
-              <a:rPr lang="es-ES" sz="1400" b="1" dirty="0">
-                <a:solidFill>
-                  <a:schemeClr val="tx1">
-                    <a:lumMod val="95000"/>
-                  </a:schemeClr>
-                </a:solidFill>
-                <a:latin typeface="Segoe UI" panose="020B0502040204020203" pitchFamily="34" charset="0"/>
-                <a:cs typeface="Segoe UI" panose="020B0502040204020203" pitchFamily="34" charset="0"/>
-              </a:rPr>
-              <a:t> II</a:t>
+              <a:t>Flujos de control</a:t>
             </a:r>
           </a:p>
           <a:p>
@@ -6371,10 +6648,22 @@
                 <a:latin typeface="Segoe UI" panose="020B0502040204020203" pitchFamily="34" charset="0"/>
                 <a:cs typeface="Segoe UI" panose="020B0502040204020203" pitchFamily="34" charset="0"/>
               </a:rPr>
-              <a:t>Operaciones aritméticas, comparativas, operaciones booleanos.</a:t>
-            </a:r>
-          </a:p>
-          <a:p>
+              <a:t>Sintaxis de línea</a:t>
+            </a:r>
+          </a:p>
+          <a:p>
+            <a:r>
+              <a:rPr lang="es-ES" sz="1200" i="1" dirty="0" err="1">
+                <a:solidFill>
+                  <a:schemeClr val="tx1">
+                    <a:lumMod val="85000"/>
+                  </a:schemeClr>
+                </a:solidFill>
+                <a:latin typeface="Segoe UI" panose="020B0502040204020203" pitchFamily="34" charset="0"/>
+                <a:cs typeface="Segoe UI" panose="020B0502040204020203" pitchFamily="34" charset="0"/>
+              </a:rPr>
+              <a:t>If</a:t>
+            </a:r>
             <a:r>
               <a:rPr lang="es-ES" sz="1200" i="1" dirty="0">
                 <a:solidFill>
@@ -6385,7 +6674,7 @@
                 <a:latin typeface="Segoe UI" panose="020B0502040204020203" pitchFamily="34" charset="0"/>
                 <a:cs typeface="Segoe UI" panose="020B0502040204020203" pitchFamily="34" charset="0"/>
               </a:rPr>
-              <a:t>Listas, sintaxis en línea, el valor </a:t>
+              <a:t>/</a:t>
             </a:r>
             <a:r>
               <a:rPr lang="es-ES" sz="1200" i="1" dirty="0" err="1">
@@ -6397,7 +6686,31 @@
                 <a:latin typeface="Segoe UI" panose="020B0502040204020203" pitchFamily="34" charset="0"/>
                 <a:cs typeface="Segoe UI" panose="020B0502040204020203" pitchFamily="34" charset="0"/>
               </a:rPr>
-              <a:t>None</a:t>
+              <a:t>elif</a:t>
+            </a:r>
+            <a:r>
+              <a:rPr lang="es-ES" sz="1200" i="1" dirty="0">
+                <a:solidFill>
+                  <a:schemeClr val="tx1">
+                    <a:lumMod val="85000"/>
+                  </a:schemeClr>
+                </a:solidFill>
+                <a:latin typeface="Segoe UI" panose="020B0502040204020203" pitchFamily="34" charset="0"/>
+                <a:cs typeface="Segoe UI" panose="020B0502040204020203" pitchFamily="34" charset="0"/>
+              </a:rPr>
+              <a:t>/</a:t>
+            </a:r>
+            <a:r>
+              <a:rPr lang="es-ES" sz="1200" i="1" dirty="0" err="1">
+                <a:solidFill>
+                  <a:schemeClr val="tx1">
+                    <a:lumMod val="85000"/>
+                  </a:schemeClr>
+                </a:solidFill>
+                <a:latin typeface="Segoe UI" panose="020B0502040204020203" pitchFamily="34" charset="0"/>
+                <a:cs typeface="Segoe UI" panose="020B0502040204020203" pitchFamily="34" charset="0"/>
+              </a:rPr>
+              <a:t>else</a:t>
             </a:r>
             <a:endParaRPr lang="es-ES" sz="1200" i="1" dirty="0">
               <a:solidFill>
@@ -6420,7 +6733,113 @@
                 <a:latin typeface="Segoe UI" panose="020B0502040204020203" pitchFamily="34" charset="0"/>
                 <a:cs typeface="Segoe UI" panose="020B0502040204020203" pitchFamily="34" charset="0"/>
               </a:rPr>
-              <a:t>Errores básicos</a:t>
+              <a:t>Bucles </a:t>
+            </a:r>
+            <a:r>
+              <a:rPr lang="es-ES" sz="1200" i="1" dirty="0" err="1">
+                <a:solidFill>
+                  <a:schemeClr val="tx1">
+                    <a:lumMod val="85000"/>
+                  </a:schemeClr>
+                </a:solidFill>
+                <a:latin typeface="Segoe UI" panose="020B0502040204020203" pitchFamily="34" charset="0"/>
+                <a:cs typeface="Segoe UI" panose="020B0502040204020203" pitchFamily="34" charset="0"/>
+              </a:rPr>
+              <a:t>for</a:t>
+            </a:r>
+            <a:r>
+              <a:rPr lang="es-ES" sz="1200" i="1" dirty="0">
+                <a:solidFill>
+                  <a:schemeClr val="tx1">
+                    <a:lumMod val="85000"/>
+                  </a:schemeClr>
+                </a:solidFill>
+                <a:latin typeface="Segoe UI" panose="020B0502040204020203" pitchFamily="34" charset="0"/>
+                <a:cs typeface="Segoe UI" panose="020B0502040204020203" pitchFamily="34" charset="0"/>
+              </a:rPr>
+              <a:t> y </a:t>
+            </a:r>
+            <a:r>
+              <a:rPr lang="es-ES" sz="1200" i="1" dirty="0" err="1">
+                <a:solidFill>
+                  <a:schemeClr val="tx1">
+                    <a:lumMod val="85000"/>
+                  </a:schemeClr>
+                </a:solidFill>
+                <a:latin typeface="Segoe UI" panose="020B0502040204020203" pitchFamily="34" charset="0"/>
+                <a:cs typeface="Segoe UI" panose="020B0502040204020203" pitchFamily="34" charset="0"/>
+              </a:rPr>
+              <a:t>while</a:t>
+            </a:r>
+            <a:endParaRPr lang="es-ES" sz="1200" i="1" dirty="0">
+              <a:solidFill>
+                <a:schemeClr val="tx1">
+                  <a:lumMod val="85000"/>
+                </a:schemeClr>
+              </a:solidFill>
+              <a:latin typeface="Segoe UI" panose="020B0502040204020203" pitchFamily="34" charset="0"/>
+              <a:cs typeface="Segoe UI" panose="020B0502040204020203" pitchFamily="34" charset="0"/>
+            </a:endParaRPr>
+          </a:p>
+          <a:p>
+            <a:r>
+              <a:rPr lang="es-ES" sz="1200" i="1" dirty="0">
+                <a:solidFill>
+                  <a:schemeClr val="tx1">
+                    <a:lumMod val="85000"/>
+                  </a:schemeClr>
+                </a:solidFill>
+                <a:latin typeface="Segoe UI" panose="020B0502040204020203" pitchFamily="34" charset="0"/>
+                <a:cs typeface="Segoe UI" panose="020B0502040204020203" pitchFamily="34" charset="0"/>
+              </a:rPr>
+              <a:t>Break/</a:t>
+            </a:r>
+            <a:r>
+              <a:rPr lang="es-ES" sz="1200" i="1" dirty="0" err="1">
+                <a:solidFill>
+                  <a:schemeClr val="tx1">
+                    <a:lumMod val="85000"/>
+                  </a:schemeClr>
+                </a:solidFill>
+                <a:latin typeface="Segoe UI" panose="020B0502040204020203" pitchFamily="34" charset="0"/>
+                <a:cs typeface="Segoe UI" panose="020B0502040204020203" pitchFamily="34" charset="0"/>
+              </a:rPr>
+              <a:t>continue</a:t>
+            </a:r>
+            <a:endParaRPr lang="es-ES" sz="1200" i="1" dirty="0">
+              <a:solidFill>
+                <a:schemeClr val="tx1">
+                  <a:lumMod val="85000"/>
+                </a:schemeClr>
+              </a:solidFill>
+              <a:latin typeface="Segoe UI" panose="020B0502040204020203" pitchFamily="34" charset="0"/>
+              <a:cs typeface="Segoe UI" panose="020B0502040204020203" pitchFamily="34" charset="0"/>
+            </a:endParaRPr>
+          </a:p>
+          <a:p>
+            <a:r>
+              <a:rPr lang="es-ES" sz="1200" i="1" dirty="0">
+                <a:solidFill>
+                  <a:schemeClr val="tx1">
+                    <a:lumMod val="85000"/>
+                  </a:schemeClr>
+                </a:solidFill>
+                <a:latin typeface="Segoe UI" panose="020B0502040204020203" pitchFamily="34" charset="0"/>
+                <a:cs typeface="Segoe UI" panose="020B0502040204020203" pitchFamily="34" charset="0"/>
+              </a:rPr>
+              <a:t>Try/</a:t>
+            </a:r>
+            <a:r>
+              <a:rPr lang="es-ES" sz="1200" i="1" dirty="0" err="1">
+                <a:solidFill>
+                  <a:schemeClr val="tx1">
+                    <a:lumMod val="85000"/>
+                  </a:schemeClr>
+                </a:solidFill>
+                <a:latin typeface="Segoe UI" panose="020B0502040204020203" pitchFamily="34" charset="0"/>
+                <a:cs typeface="Segoe UI" panose="020B0502040204020203" pitchFamily="34" charset="0"/>
+              </a:rPr>
+              <a:t>except</a:t>
             </a:r>
             <a:endParaRPr lang="es-ES" sz="1200" i="1" dirty="0">
               <a:solidFill>
@@ -6444,110 +6863,10 @@
             </a:endParaRPr>
           </a:p>
           <a:p>
-            <a:r>
-              <a:rPr lang="es-ES" sz="1400" b="1" dirty="0">
-                <a:solidFill>
-                  <a:schemeClr val="tx1">
-                    <a:lumMod val="95000"/>
-                  </a:schemeClr>
-                </a:solidFill>
-                <a:latin typeface="Segoe UI" panose="020B0502040204020203" pitchFamily="34" charset="0"/>
-                <a:cs typeface="Segoe UI" panose="020B0502040204020203" pitchFamily="34" charset="0"/>
-              </a:rPr>
-              <a:t>Funciones </a:t>
-            </a:r>
-            <a:r>
-              <a:rPr lang="es-ES" sz="1400" b="1" dirty="0" err="1">
-                <a:solidFill>
-                  <a:schemeClr val="tx1">
-                    <a:lumMod val="95000"/>
-                  </a:schemeClr>
-                </a:solidFill>
-                <a:latin typeface="Segoe UI" panose="020B0502040204020203" pitchFamily="34" charset="0"/>
-                <a:cs typeface="Segoe UI" panose="020B0502040204020203" pitchFamily="34" charset="0"/>
-              </a:rPr>
-              <a:t>Built</a:t>
-            </a:r>
-            <a:r>
-              <a:rPr lang="es-ES" sz="1400" b="1" dirty="0">
-                <a:solidFill>
-                  <a:schemeClr val="tx1">
-                    <a:lumMod val="95000"/>
-                  </a:schemeClr>
-                </a:solidFill>
-                <a:latin typeface="Segoe UI" panose="020B0502040204020203" pitchFamily="34" charset="0"/>
-                <a:cs typeface="Segoe UI" panose="020B0502040204020203" pitchFamily="34" charset="0"/>
-              </a:rPr>
-              <a:t>-in</a:t>
-            </a:r>
-          </a:p>
-          <a:p>
-            <a:r>
-              <a:rPr lang="es-ES" sz="1200" i="1" dirty="0">
-                <a:solidFill>
-                  <a:schemeClr val="tx1">
-                    <a:lumMod val="85000"/>
-                  </a:schemeClr>
-                </a:solidFill>
-                <a:latin typeface="Segoe UI" panose="020B0502040204020203" pitchFamily="34" charset="0"/>
-                <a:cs typeface="Segoe UI" panose="020B0502040204020203" pitchFamily="34" charset="0"/>
-              </a:rPr>
-              <a:t>Funciones propias del núcleo de Python como: </a:t>
-            </a:r>
-            <a:r>
-              <a:rPr lang="es-ES" sz="1200" i="1" dirty="0" err="1">
-                <a:solidFill>
-                  <a:schemeClr val="tx1">
-                    <a:lumMod val="85000"/>
-                  </a:schemeClr>
-                </a:solidFill>
-                <a:latin typeface="Segoe UI" panose="020B0502040204020203" pitchFamily="34" charset="0"/>
-                <a:cs typeface="Segoe UI" panose="020B0502040204020203" pitchFamily="34" charset="0"/>
-              </a:rPr>
-              <a:t>len</a:t>
-            </a:r>
-            <a:r>
-              <a:rPr lang="es-ES" sz="1200" i="1" dirty="0">
-                <a:solidFill>
-                  <a:schemeClr val="tx1">
-                    <a:lumMod val="85000"/>
-                  </a:schemeClr>
-                </a:solidFill>
-                <a:latin typeface="Segoe UI" panose="020B0502040204020203" pitchFamily="34" charset="0"/>
-                <a:cs typeface="Segoe UI" panose="020B0502040204020203" pitchFamily="34" charset="0"/>
-              </a:rPr>
-              <a:t> o </a:t>
-            </a:r>
-            <a:r>
-              <a:rPr lang="es-ES" sz="1200" i="1" dirty="0" err="1">
-                <a:solidFill>
-                  <a:schemeClr val="tx1">
-                    <a:lumMod val="85000"/>
-                  </a:schemeClr>
-                </a:solidFill>
-                <a:latin typeface="Segoe UI" panose="020B0502040204020203" pitchFamily="34" charset="0"/>
-                <a:cs typeface="Segoe UI" panose="020B0502040204020203" pitchFamily="34" charset="0"/>
-              </a:rPr>
-              <a:t>range</a:t>
-            </a:r>
-            <a:r>
-              <a:rPr lang="es-ES" sz="1200" i="1" dirty="0">
-                <a:solidFill>
-                  <a:schemeClr val="tx1">
-                    <a:lumMod val="85000"/>
-                  </a:schemeClr>
-                </a:solidFill>
-                <a:latin typeface="Segoe UI" panose="020B0502040204020203" pitchFamily="34" charset="0"/>
-                <a:cs typeface="Segoe UI" panose="020B0502040204020203" pitchFamily="34" charset="0"/>
-              </a:rPr>
-              <a:t>.</a:t>
-            </a:r>
-          </a:p>
-          <a:p>
-            <a:endParaRPr lang="es-ES" sz="1200" i="1" dirty="0">
+            <a:endParaRPr lang="es-ES" sz="1400" b="1" dirty="0">
               <a:solidFill>
                 <a:schemeClr val="tx1">
-                  <a:lumMod val="85000"/>
+                  <a:lumMod val="95000"/>
                 </a:schemeClr>
               </a:solidFill>
               <a:latin typeface="Segoe UI" panose="020B0502040204020203" pitchFamily="34" charset="0"/>
@@ -6739,7 +7058,7 @@
         <p:spPr>
           <a:xfrm>
             <a:off x="6928596" y="2543121"/>
-            <a:ext cx="4763317" cy="1969770"/>
+            <a:ext cx="4763317" cy="2523768"/>
           </a:xfrm>
           <a:prstGeom prst="rect">
             <a:avLst/>
@@ -6762,31 +7081,7 @@
                 <a:latin typeface="Segoe UI" panose="020B0502040204020203" pitchFamily="34" charset="0"/>
                 <a:cs typeface="Segoe UI" panose="020B0502040204020203" pitchFamily="34" charset="0"/>
               </a:rPr>
-              <a:t>Python </a:t>
-            </a:r>
-            <a:r>
-              <a:rPr lang="es-ES" sz="1400" b="1" dirty="0" err="1">
-                <a:solidFill>
-                  <a:schemeClr val="tx1">
-                    <a:lumMod val="95000"/>
-                  </a:schemeClr>
-                </a:solidFill>
-                <a:latin typeface="Segoe UI" panose="020B0502040204020203" pitchFamily="34" charset="0"/>
-                <a:cs typeface="Segoe UI" panose="020B0502040204020203" pitchFamily="34" charset="0"/>
-              </a:rPr>
-              <a:t>Basics</a:t>
-            </a:r>
-            <a:r>
-              <a:rPr lang="es-ES" sz="1400" b="1" dirty="0">
-                <a:solidFill>
-                  <a:schemeClr val="tx1">
-                    <a:lumMod val="95000"/>
-                  </a:schemeClr>
-                </a:solidFill>
-                <a:latin typeface="Segoe UI" panose="020B0502040204020203" pitchFamily="34" charset="0"/>
-                <a:cs typeface="Segoe UI" panose="020B0502040204020203" pitchFamily="34" charset="0"/>
-              </a:rPr>
-              <a:t> II</a:t>
+              <a:t>Flujos de control</a:t>
             </a:r>
           </a:p>
           <a:p>
@@ -6800,8 +7095,19 @@
                 <a:latin typeface="Segoe UI" panose="020B0502040204020203" pitchFamily="34" charset="0"/>
                 <a:cs typeface="Segoe UI" panose="020B0502040204020203" pitchFamily="34" charset="0"/>
               </a:rPr>
-              <a:t>Operaciones con Python</a:t>
-            </a:r>
+              <a:t>Cómo crear un programa con diferentes flujos condicionales</a:t>
+            </a:r>
+          </a:p>
+          <a:p>
+            <a:endParaRPr lang="es-ES" sz="1200" i="1" dirty="0">
+              <a:solidFill>
+                <a:schemeClr val="tx1">
+                  <a:lumMod val="85000"/>
+                </a:schemeClr>
+              </a:solidFill>
+              <a:latin typeface="Segoe UI" panose="020B0502040204020203" pitchFamily="34" charset="0"/>
+              <a:cs typeface="Segoe UI" panose="020B0502040204020203" pitchFamily="34" charset="0"/>
+            </a:endParaRPr>
           </a:p>
           <a:p>
             <a:r>
@@ -6814,8 +7120,19 @@
                 <a:latin typeface="Segoe UI" panose="020B0502040204020203" pitchFamily="34" charset="0"/>
                 <a:cs typeface="Segoe UI" panose="020B0502040204020203" pitchFamily="34" charset="0"/>
               </a:rPr>
-              <a:t>Construir y ordenar listas</a:t>
-            </a:r>
+              <a:t>Recorrer elementos iterables</a:t>
+            </a:r>
+          </a:p>
+          <a:p>
+            <a:endParaRPr lang="es-ES" sz="1200" i="1" dirty="0">
+              <a:solidFill>
+                <a:schemeClr val="tx1">
+                  <a:lumMod val="85000"/>
+                </a:schemeClr>
+              </a:solidFill>
+              <a:latin typeface="Segoe UI" panose="020B0502040204020203" pitchFamily="34" charset="0"/>
+              <a:cs typeface="Segoe UI" panose="020B0502040204020203" pitchFamily="34" charset="0"/>
+            </a:endParaRPr>
           </a:p>
           <a:p>
             <a:r>
@@ -6828,8 +7145,19 @@
                 <a:latin typeface="Segoe UI" panose="020B0502040204020203" pitchFamily="34" charset="0"/>
                 <a:cs typeface="Segoe UI" panose="020B0502040204020203" pitchFamily="34" charset="0"/>
               </a:rPr>
-              <a:t>Cómo escribir un programa mediante la sintaxis en línea de Python</a:t>
-            </a:r>
+              <a:t>Ahorrar código mediante bucles</a:t>
+            </a:r>
+          </a:p>
+          <a:p>
+            <a:endParaRPr lang="es-ES" sz="1200" i="1" dirty="0">
+              <a:solidFill>
+                <a:schemeClr val="tx1">
+                  <a:lumMod val="85000"/>
+                </a:schemeClr>
+              </a:solidFill>
+              <a:latin typeface="Segoe UI" panose="020B0502040204020203" pitchFamily="34" charset="0"/>
+              <a:cs typeface="Segoe UI" panose="020B0502040204020203" pitchFamily="34" charset="0"/>
+            </a:endParaRPr>
           </a:p>
           <a:p>
             <a:r>
@@ -6842,7 +7170,7 @@
                 <a:latin typeface="Segoe UI" panose="020B0502040204020203" pitchFamily="34" charset="0"/>
                 <a:cs typeface="Segoe UI" panose="020B0502040204020203" pitchFamily="34" charset="0"/>
               </a:rPr>
-              <a:t>Funciones y métodos </a:t>
+              <a:t>Manejar errores en el código mediante el try/</a:t>
             </a:r>
             <a:r>
               <a:rPr lang="es-ES" sz="1200" i="1" dirty="0" err="1">
@@ -6854,20 +7182,17 @@
                 <a:latin typeface="Segoe UI" panose="020B0502040204020203" pitchFamily="34" charset="0"/>
                 <a:cs typeface="Segoe UI" panose="020B0502040204020203" pitchFamily="34" charset="0"/>
               </a:rPr>
-              <a:t>built</a:t>
-            </a:r>
-            <a:r>
-              <a:rPr lang="es-ES" sz="1200" i="1" dirty="0">
-                <a:solidFill>
-                  <a:schemeClr val="tx1">
-                    <a:lumMod val="85000"/>
-                  </a:schemeClr>
-                </a:solidFill>
-                <a:latin typeface="Segoe UI" panose="020B0502040204020203" pitchFamily="34" charset="0"/>
-                <a:cs typeface="Segoe UI" panose="020B0502040204020203" pitchFamily="34" charset="0"/>
-              </a:rPr>
-              <a:t>-in</a:t>
-            </a:r>
+              <a:t>except</a:t>
+            </a:r>
+            <a:endParaRPr lang="es-ES" sz="1200" i="1" dirty="0">
+              <a:solidFill>
+                <a:schemeClr val="tx1">
+                  <a:lumMod val="85000"/>
+                </a:schemeClr>
+              </a:solidFill>
+              <a:latin typeface="Segoe UI" panose="020B0502040204020203" pitchFamily="34" charset="0"/>
+              <a:cs typeface="Segoe UI" panose="020B0502040204020203" pitchFamily="34" charset="0"/>
+            </a:endParaRPr>
           </a:p>
           <a:p>
             <a:endParaRPr lang="es-ES" sz="1200" i="1" dirty="0">

--- a/0_Ramp_Up/documentos/Data Science - Ramp Up - Contenidos.pptx
+++ b/0_Ramp_Up/documentos/Data Science - Ramp Up - Contenidos.pptx
@@ -219,7 +219,7 @@
           <a:p>
             <a:fld id="{E2E1EB10-6A21-440E-BF2D-F14C49559F2A}" type="datetimeFigureOut">
               <a:rPr lang="es-ES" smtClean="0"/>
-              <a:t>14/06/2020</a:t>
+              <a:t>17/06/2020</a:t>
             </a:fld>
             <a:endParaRPr lang="es-ES"/>
           </a:p>
@@ -403,7 +403,7 @@
           <a:p>
             <a:fld id="{6030B40B-5C5C-408D-8E71-442557AE69BE}" type="datetimeFigureOut">
               <a:rPr lang="es-ES" smtClean="0"/>
-              <a:t>14/06/2020</a:t>
+              <a:t>17/06/2020</a:t>
             </a:fld>
             <a:endParaRPr lang="es-ES"/>
           </a:p>
@@ -805,7 +805,7 @@
           <a:p>
             <a:fld id="{5B772F0D-A02A-4702-8780-0B9BEC7A8699}" type="datetime1">
               <a:rPr lang="es-ES" smtClean="0"/>
-              <a:t>14/06/2020</a:t>
+              <a:t>17/06/2020</a:t>
             </a:fld>
             <a:endParaRPr lang="es-ES"/>
           </a:p>
@@ -978,7 +978,7 @@
           <a:p>
             <a:fld id="{B7089A12-8DCA-43F2-8141-5440FE76067E}" type="datetime1">
               <a:rPr lang="es-ES" smtClean="0"/>
-              <a:t>14/06/2020</a:t>
+              <a:t>17/06/2020</a:t>
             </a:fld>
             <a:endParaRPr lang="es-ES"/>
           </a:p>
@@ -1161,7 +1161,7 @@
           <a:p>
             <a:fld id="{1ECAA92C-77A8-40E9-B836-7A7337601971}" type="datetime1">
               <a:rPr lang="es-ES" smtClean="0"/>
-              <a:t>14/06/2020</a:t>
+              <a:t>17/06/2020</a:t>
             </a:fld>
             <a:endParaRPr lang="es-ES"/>
           </a:p>
@@ -1334,7 +1334,7 @@
           <a:p>
             <a:fld id="{76C3C7A2-BAD2-4CA0-B88A-B6452E90DFBC}" type="datetime1">
               <a:rPr lang="es-ES" smtClean="0"/>
-              <a:t>14/06/2020</a:t>
+              <a:t>17/06/2020</a:t>
             </a:fld>
             <a:endParaRPr lang="es-ES"/>
           </a:p>
@@ -1583,7 +1583,7 @@
           <a:p>
             <a:fld id="{ECA9CF60-F39A-43C0-966A-9235067209B8}" type="datetime1">
               <a:rPr lang="es-ES" smtClean="0"/>
-              <a:t>14/06/2020</a:t>
+              <a:t>17/06/2020</a:t>
             </a:fld>
             <a:endParaRPr lang="es-ES"/>
           </a:p>
@@ -1818,7 +1818,7 @@
           <a:p>
             <a:fld id="{4956C9BF-599C-46EE-897D-D3B566742584}" type="datetime1">
               <a:rPr lang="es-ES" smtClean="0"/>
-              <a:t>14/06/2020</a:t>
+              <a:t>17/06/2020</a:t>
             </a:fld>
             <a:endParaRPr lang="es-ES"/>
           </a:p>
@@ -2188,7 +2188,7 @@
           <a:p>
             <a:fld id="{95FE9576-1C9C-4DA4-A00A-9DD8D8245248}" type="datetime1">
               <a:rPr lang="es-ES" smtClean="0"/>
-              <a:t>14/06/2020</a:t>
+              <a:t>17/06/2020</a:t>
             </a:fld>
             <a:endParaRPr lang="es-ES"/>
           </a:p>
@@ -2309,7 +2309,7 @@
           <a:p>
             <a:fld id="{A25E806F-9BD2-4ABB-A643-CD5EC8F2EFC5}" type="datetime1">
               <a:rPr lang="es-ES" smtClean="0"/>
-              <a:t>14/06/2020</a:t>
+              <a:t>17/06/2020</a:t>
             </a:fld>
             <a:endParaRPr lang="es-ES"/>
           </a:p>
@@ -2407,7 +2407,7 @@
           <a:p>
             <a:fld id="{44D58291-17CD-4DFA-B627-8197516A579F}" type="datetime1">
               <a:rPr lang="es-ES" smtClean="0"/>
-              <a:t>14/06/2020</a:t>
+              <a:t>17/06/2020</a:t>
             </a:fld>
             <a:endParaRPr lang="es-ES"/>
           </a:p>
@@ -2687,7 +2687,7 @@
           <a:p>
             <a:fld id="{CE47F85A-B433-4D20-98A1-4063FF1FEBAE}" type="datetime1">
               <a:rPr lang="es-ES" smtClean="0"/>
-              <a:t>14/06/2020</a:t>
+              <a:t>17/06/2020</a:t>
             </a:fld>
             <a:endParaRPr lang="es-ES"/>
           </a:p>
@@ -2947,7 +2947,7 @@
           <a:p>
             <a:fld id="{88FF7EC7-7A16-44B9-9DAF-6069C283BDDE}" type="datetime1">
               <a:rPr lang="es-ES" smtClean="0"/>
-              <a:t>14/06/2020</a:t>
+              <a:t>17/06/2020</a:t>
             </a:fld>
             <a:endParaRPr lang="es-ES"/>
           </a:p>
@@ -3163,7 +3163,7 @@
           <a:p>
             <a:fld id="{1FF7DE26-E335-45E6-BFEF-90CB33A4197F}" type="datetime1">
               <a:rPr lang="es-ES" smtClean="0"/>
-              <a:t>14/06/2020</a:t>
+              <a:t>17/06/2020</a:t>
             </a:fld>
             <a:endParaRPr lang="es-ES"/>
           </a:p>
@@ -3929,7 +3929,7 @@
         <p:spPr>
           <a:xfrm>
             <a:off x="2272144" y="655782"/>
-            <a:ext cx="6854101" cy="5016758"/>
+            <a:ext cx="6854101" cy="5262979"/>
           </a:xfrm>
           <a:prstGeom prst="rect">
             <a:avLst/>
@@ -4126,6 +4126,16 @@
             </a:r>
           </a:p>
           <a:p>
+            <a:pPr marL="800100" lvl="1" indent="-342900">
+              <a:buFont typeface="Arial" panose="020B0604020202020204" pitchFamily="34" charset="0"/>
+              <a:buChar char="•"/>
+            </a:pPr>
+            <a:r>
+              <a:rPr lang="es-ES" sz="1600" dirty="0"/>
+              <a:t>SQL</a:t>
+            </a:r>
+          </a:p>
+          <a:p>
             <a:pPr marL="342900" indent="-342900">
               <a:buFont typeface="+mj-lt"/>
               <a:buAutoNum type="arabicPeriod"/>
@@ -4172,7 +4182,7 @@
             </a:pPr>
             <a:r>
               <a:rPr lang="es-ES" sz="1600" dirty="0"/>
-              <a:t>Git/GitHub</a:t>
+              <a:t>Repaso</a:t>
             </a:r>
           </a:p>
         </p:txBody>
@@ -4437,7 +4447,7 @@
         <p:spPr>
           <a:xfrm>
             <a:off x="741968" y="2664341"/>
-            <a:ext cx="4682836" cy="3570208"/>
+            <a:ext cx="4682836" cy="2985433"/>
           </a:xfrm>
           <a:prstGeom prst="rect">
             <a:avLst/>
@@ -4460,7 +4470,7 @@
                 <a:latin typeface="Segoe UI" panose="020B0502040204020203" pitchFamily="34" charset="0"/>
                 <a:cs typeface="Segoe UI" panose="020B0502040204020203" pitchFamily="34" charset="0"/>
               </a:rPr>
-              <a:t>Intro</a:t>
+              <a:t>Jupyter</a:t>
             </a:r>
             <a:r>
               <a:rPr lang="es-ES" sz="1400" b="1" dirty="0">
@@ -4472,7 +4482,7 @@
                 <a:latin typeface="Segoe UI" panose="020B0502040204020203" pitchFamily="34" charset="0"/>
                 <a:cs typeface="Segoe UI" panose="020B0502040204020203" pitchFamily="34" charset="0"/>
               </a:rPr>
-              <a:t> Data </a:t>
+              <a:t> </a:t>
             </a:r>
             <a:r>
               <a:rPr lang="es-ES" sz="1400" b="1" dirty="0" err="1">
@@ -4484,7 +4494,7 @@
                 <a:latin typeface="Segoe UI" panose="020B0502040204020203" pitchFamily="34" charset="0"/>
                 <a:cs typeface="Segoe UI" panose="020B0502040204020203" pitchFamily="34" charset="0"/>
               </a:rPr>
-              <a:t>Science</a:t>
+              <a:t>Lab</a:t>
             </a:r>
             <a:endParaRPr lang="es-ES" sz="1400" b="1" dirty="0">
               <a:solidFill>
@@ -4507,79 +4517,7 @@
                 <a:latin typeface="Segoe UI" panose="020B0502040204020203" pitchFamily="34" charset="0"/>
                 <a:cs typeface="Segoe UI" panose="020B0502040204020203" pitchFamily="34" charset="0"/>
               </a:rPr>
-              <a:t>Introducción al master, data </a:t>
-            </a:r>
-            <a:r>
-              <a:rPr lang="es-ES" sz="1200" i="1" dirty="0" err="1">
-                <a:solidFill>
-                  <a:schemeClr val="tx1">
-                    <a:lumMod val="85000"/>
-                  </a:schemeClr>
-                </a:solidFill>
-                <a:latin typeface="Segoe UI" panose="020B0502040204020203" pitchFamily="34" charset="0"/>
-                <a:cs typeface="Segoe UI" panose="020B0502040204020203" pitchFamily="34" charset="0"/>
-              </a:rPr>
-              <a:t>science</a:t>
-            </a:r>
-            <a:r>
-              <a:rPr lang="es-ES" sz="1200" i="1" dirty="0">
-                <a:solidFill>
-                  <a:schemeClr val="tx1">
-                    <a:lumMod val="85000"/>
-                  </a:schemeClr>
-                </a:solidFill>
-                <a:latin typeface="Segoe UI" panose="020B0502040204020203" pitchFamily="34" charset="0"/>
-                <a:cs typeface="Segoe UI" panose="020B0502040204020203" pitchFamily="34" charset="0"/>
-              </a:rPr>
-              <a:t>, </a:t>
-            </a:r>
-            <a:r>
-              <a:rPr lang="es-ES" sz="1200" i="1" dirty="0" err="1">
-                <a:solidFill>
-                  <a:schemeClr val="tx1">
-                    <a:lumMod val="85000"/>
-                  </a:schemeClr>
-                </a:solidFill>
-                <a:latin typeface="Segoe UI" panose="020B0502040204020203" pitchFamily="34" charset="0"/>
-                <a:cs typeface="Segoe UI" panose="020B0502040204020203" pitchFamily="34" charset="0"/>
-              </a:rPr>
-              <a:t>skills</a:t>
-            </a:r>
-            <a:r>
-              <a:rPr lang="es-ES" sz="1200" i="1" dirty="0">
-                <a:solidFill>
-                  <a:schemeClr val="tx1">
-                    <a:lumMod val="85000"/>
-                  </a:schemeClr>
-                </a:solidFill>
-                <a:latin typeface="Segoe UI" panose="020B0502040204020203" pitchFamily="34" charset="0"/>
-                <a:cs typeface="Segoe UI" panose="020B0502040204020203" pitchFamily="34" charset="0"/>
-              </a:rPr>
-              <a:t> data </a:t>
-            </a:r>
-            <a:r>
-              <a:rPr lang="es-ES" sz="1200" i="1" dirty="0" err="1">
-                <a:solidFill>
-                  <a:schemeClr val="tx1">
-                    <a:lumMod val="85000"/>
-                  </a:schemeClr>
-                </a:solidFill>
-                <a:latin typeface="Segoe UI" panose="020B0502040204020203" pitchFamily="34" charset="0"/>
-                <a:cs typeface="Segoe UI" panose="020B0502040204020203" pitchFamily="34" charset="0"/>
-              </a:rPr>
-              <a:t>scientist</a:t>
-            </a:r>
-            <a:r>
-              <a:rPr lang="es-ES" sz="1200" i="1" dirty="0">
-                <a:solidFill>
-                  <a:schemeClr val="tx1">
-                    <a:lumMod val="85000"/>
-                  </a:schemeClr>
-                </a:solidFill>
-                <a:latin typeface="Segoe UI" panose="020B0502040204020203" pitchFamily="34" charset="0"/>
-                <a:cs typeface="Segoe UI" panose="020B0502040204020203" pitchFamily="34" charset="0"/>
-              </a:rPr>
-              <a:t>, tecnología</a:t>
+              <a:t>Primeros pasos con los Notebooks</a:t>
             </a:r>
           </a:p>
           <a:p>
@@ -4595,7 +4533,7 @@
           </a:p>
           <a:p>
             <a:r>
-              <a:rPr lang="es-ES" sz="1400" b="1" dirty="0">
+              <a:rPr lang="es-ES" sz="1400" b="1" dirty="0" err="1">
                 <a:solidFill>
                   <a:schemeClr val="tx1">
                     <a:lumMod val="95000"/>
@@ -4604,70 +4542,7 @@
                 <a:latin typeface="Segoe UI" panose="020B0502040204020203" pitchFamily="34" charset="0"/>
                 <a:cs typeface="Segoe UI" panose="020B0502040204020203" pitchFamily="34" charset="0"/>
               </a:rPr>
-              <a:t>Anaconda</a:t>
-            </a:r>
-          </a:p>
-          <a:p>
-            <a:r>
-              <a:rPr lang="es-ES" sz="1200" i="1" dirty="0">
-                <a:solidFill>
-                  <a:schemeClr val="tx1">
-                    <a:lumMod val="85000"/>
-                  </a:schemeClr>
-                </a:solidFill>
-                <a:latin typeface="Segoe UI" panose="020B0502040204020203" pitchFamily="34" charset="0"/>
-                <a:cs typeface="Segoe UI" panose="020B0502040204020203" pitchFamily="34" charset="0"/>
-              </a:rPr>
-              <a:t>Instalación del entorno de trabajo</a:t>
-            </a:r>
-          </a:p>
-          <a:p>
-            <a:endParaRPr lang="es-ES" sz="1200" i="1" dirty="0">
-              <a:solidFill>
-                <a:schemeClr val="tx1">
-                  <a:lumMod val="85000"/>
-                </a:schemeClr>
-              </a:solidFill>
-              <a:latin typeface="Segoe UI" panose="020B0502040204020203" pitchFamily="34" charset="0"/>
-              <a:cs typeface="Segoe UI" panose="020B0502040204020203" pitchFamily="34" charset="0"/>
-            </a:endParaRPr>
-          </a:p>
-          <a:p>
-            <a:r>
-              <a:rPr lang="es-ES" sz="1400" b="1" dirty="0" err="1">
-                <a:solidFill>
-                  <a:schemeClr val="tx1">
-                    <a:lumMod val="95000"/>
-                  </a:schemeClr>
-                </a:solidFill>
-                <a:latin typeface="Segoe UI" panose="020B0502040204020203" pitchFamily="34" charset="0"/>
-                <a:cs typeface="Segoe UI" panose="020B0502040204020203" pitchFamily="34" charset="0"/>
-              </a:rPr>
-              <a:t>Jupyter</a:t>
-            </a:r>
-            <a:r>
-              <a:rPr lang="es-ES" sz="1400" b="1" dirty="0">
-                <a:solidFill>
-                  <a:schemeClr val="tx1">
-                    <a:lumMod val="95000"/>
-                  </a:schemeClr>
-                </a:solidFill>
-                <a:latin typeface="Segoe UI" panose="020B0502040204020203" pitchFamily="34" charset="0"/>
-                <a:cs typeface="Segoe UI" panose="020B0502040204020203" pitchFamily="34" charset="0"/>
-              </a:rPr>
-              <a:t> </a:t>
-            </a:r>
-            <a:r>
-              <a:rPr lang="es-ES" sz="1400" b="1" dirty="0" err="1">
-                <a:solidFill>
-                  <a:schemeClr val="tx1">
-                    <a:lumMod val="95000"/>
-                  </a:schemeClr>
-                </a:solidFill>
-                <a:latin typeface="Segoe UI" panose="020B0502040204020203" pitchFamily="34" charset="0"/>
-                <a:cs typeface="Segoe UI" panose="020B0502040204020203" pitchFamily="34" charset="0"/>
-              </a:rPr>
-              <a:t>Lab</a:t>
+              <a:t>Markdown</a:t>
             </a:r>
             <a:endParaRPr lang="es-ES" sz="1400" b="1" dirty="0">
               <a:solidFill>
@@ -4680,18 +4555,6 @@
             </a:endParaRPr>
           </a:p>
           <a:p>
-            <a:r>
-              <a:rPr lang="es-ES" sz="1200" i="1" dirty="0">
-                <a:solidFill>
-                  <a:schemeClr val="tx1">
-                    <a:lumMod val="85000"/>
-                  </a:schemeClr>
-                </a:solidFill>
-                <a:latin typeface="Segoe UI" panose="020B0502040204020203" pitchFamily="34" charset="0"/>
-                <a:cs typeface="Segoe UI" panose="020B0502040204020203" pitchFamily="34" charset="0"/>
-              </a:rPr>
-              <a:t>Primeros pasos con los Notebooks. </a:t>
-            </a:r>
             <a:r>
               <a:rPr lang="es-ES" sz="1200" i="1" dirty="0" err="1">
                 <a:solidFill>

--- a/0_Ramp_Up/documentos/Data Science - Ramp Up - Contenidos.pptx
+++ b/0_Ramp_Up/documentos/Data Science - Ramp Up - Contenidos.pptx
@@ -219,7 +219,7 @@
           <a:p>
             <a:fld id="{E2E1EB10-6A21-440E-BF2D-F14C49559F2A}" type="datetimeFigureOut">
               <a:rPr lang="es-ES" smtClean="0"/>
-              <a:t>17/06/2020</a:t>
+              <a:t>18/06/2020</a:t>
             </a:fld>
             <a:endParaRPr lang="es-ES"/>
           </a:p>
@@ -403,7 +403,7 @@
           <a:p>
             <a:fld id="{6030B40B-5C5C-408D-8E71-442557AE69BE}" type="datetimeFigureOut">
               <a:rPr lang="es-ES" smtClean="0"/>
-              <a:t>17/06/2020</a:t>
+              <a:t>18/06/2020</a:t>
             </a:fld>
             <a:endParaRPr lang="es-ES"/>
           </a:p>
@@ -805,7 +805,7 @@
           <a:p>
             <a:fld id="{5B772F0D-A02A-4702-8780-0B9BEC7A8699}" type="datetime1">
               <a:rPr lang="es-ES" smtClean="0"/>
-              <a:t>17/06/2020</a:t>
+              <a:t>18/06/2020</a:t>
             </a:fld>
             <a:endParaRPr lang="es-ES"/>
           </a:p>
@@ -978,7 +978,7 @@
           <a:p>
             <a:fld id="{B7089A12-8DCA-43F2-8141-5440FE76067E}" type="datetime1">
               <a:rPr lang="es-ES" smtClean="0"/>
-              <a:t>17/06/2020</a:t>
+              <a:t>18/06/2020</a:t>
             </a:fld>
             <a:endParaRPr lang="es-ES"/>
           </a:p>
@@ -1161,7 +1161,7 @@
           <a:p>
             <a:fld id="{1ECAA92C-77A8-40E9-B836-7A7337601971}" type="datetime1">
               <a:rPr lang="es-ES" smtClean="0"/>
-              <a:t>17/06/2020</a:t>
+              <a:t>18/06/2020</a:t>
             </a:fld>
             <a:endParaRPr lang="es-ES"/>
           </a:p>
@@ -1334,7 +1334,7 @@
           <a:p>
             <a:fld id="{76C3C7A2-BAD2-4CA0-B88A-B6452E90DFBC}" type="datetime1">
               <a:rPr lang="es-ES" smtClean="0"/>
-              <a:t>17/06/2020</a:t>
+              <a:t>18/06/2020</a:t>
             </a:fld>
             <a:endParaRPr lang="es-ES"/>
           </a:p>
@@ -1583,7 +1583,7 @@
           <a:p>
             <a:fld id="{ECA9CF60-F39A-43C0-966A-9235067209B8}" type="datetime1">
               <a:rPr lang="es-ES" smtClean="0"/>
-              <a:t>17/06/2020</a:t>
+              <a:t>18/06/2020</a:t>
             </a:fld>
             <a:endParaRPr lang="es-ES"/>
           </a:p>
@@ -1818,7 +1818,7 @@
           <a:p>
             <a:fld id="{4956C9BF-599C-46EE-897D-D3B566742584}" type="datetime1">
               <a:rPr lang="es-ES" smtClean="0"/>
-              <a:t>17/06/2020</a:t>
+              <a:t>18/06/2020</a:t>
             </a:fld>
             <a:endParaRPr lang="es-ES"/>
           </a:p>
@@ -2188,7 +2188,7 @@
           <a:p>
             <a:fld id="{95FE9576-1C9C-4DA4-A00A-9DD8D8245248}" type="datetime1">
               <a:rPr lang="es-ES" smtClean="0"/>
-              <a:t>17/06/2020</a:t>
+              <a:t>18/06/2020</a:t>
             </a:fld>
             <a:endParaRPr lang="es-ES"/>
           </a:p>
@@ -2309,7 +2309,7 @@
           <a:p>
             <a:fld id="{A25E806F-9BD2-4ABB-A643-CD5EC8F2EFC5}" type="datetime1">
               <a:rPr lang="es-ES" smtClean="0"/>
-              <a:t>17/06/2020</a:t>
+              <a:t>18/06/2020</a:t>
             </a:fld>
             <a:endParaRPr lang="es-ES"/>
           </a:p>
@@ -2407,7 +2407,7 @@
           <a:p>
             <a:fld id="{44D58291-17CD-4DFA-B627-8197516A579F}" type="datetime1">
               <a:rPr lang="es-ES" smtClean="0"/>
-              <a:t>17/06/2020</a:t>
+              <a:t>18/06/2020</a:t>
             </a:fld>
             <a:endParaRPr lang="es-ES"/>
           </a:p>
@@ -2687,7 +2687,7 @@
           <a:p>
             <a:fld id="{CE47F85A-B433-4D20-98A1-4063FF1FEBAE}" type="datetime1">
               <a:rPr lang="es-ES" smtClean="0"/>
-              <a:t>17/06/2020</a:t>
+              <a:t>18/06/2020</a:t>
             </a:fld>
             <a:endParaRPr lang="es-ES"/>
           </a:p>
@@ -2947,7 +2947,7 @@
           <a:p>
             <a:fld id="{88FF7EC7-7A16-44B9-9DAF-6069C283BDDE}" type="datetime1">
               <a:rPr lang="es-ES" smtClean="0"/>
-              <a:t>17/06/2020</a:t>
+              <a:t>18/06/2020</a:t>
             </a:fld>
             <a:endParaRPr lang="es-ES"/>
           </a:p>
@@ -3163,7 +3163,7 @@
           <a:p>
             <a:fld id="{1FF7DE26-E335-45E6-BFEF-90CB33A4197F}" type="datetime1">
               <a:rPr lang="es-ES" smtClean="0"/>
-              <a:t>17/06/2020</a:t>
+              <a:t>18/06/2020</a:t>
             </a:fld>
             <a:endParaRPr lang="es-ES"/>
           </a:p>
@@ -4915,7 +4915,7 @@
         <p:spPr>
           <a:xfrm>
             <a:off x="6928596" y="2543121"/>
-            <a:ext cx="4763317" cy="3724096"/>
+            <a:ext cx="4763317" cy="3323987"/>
           </a:xfrm>
           <a:prstGeom prst="rect">
             <a:avLst/>
@@ -4938,7 +4938,7 @@
                 <a:latin typeface="Segoe UI" panose="020B0502040204020203" pitchFamily="34" charset="0"/>
                 <a:cs typeface="Segoe UI" panose="020B0502040204020203" pitchFamily="34" charset="0"/>
               </a:rPr>
-              <a:t>Intro</a:t>
+              <a:t>Jupyter</a:t>
             </a:r>
             <a:r>
               <a:rPr lang="es-ES" sz="1400" b="1" dirty="0">
@@ -4950,8 +4950,70 @@
                 <a:latin typeface="Segoe UI" panose="020B0502040204020203" pitchFamily="34" charset="0"/>
                 <a:cs typeface="Segoe UI" panose="020B0502040204020203" pitchFamily="34" charset="0"/>
               </a:rPr>
-              <a:t> Data </a:t>
-            </a:r>
+              <a:t> Notebook</a:t>
+            </a:r>
+          </a:p>
+          <a:p>
+            <a:r>
+              <a:rPr lang="es-ES" sz="1200" i="1" dirty="0">
+                <a:solidFill>
+                  <a:schemeClr val="tx1">
+                    <a:lumMod val="85000"/>
+                  </a:schemeClr>
+                </a:solidFill>
+                <a:latin typeface="Segoe UI" panose="020B0502040204020203" pitchFamily="34" charset="0"/>
+                <a:cs typeface="Segoe UI" panose="020B0502040204020203" pitchFamily="34" charset="0"/>
+              </a:rPr>
+              <a:t>Crear celdas, primeras líneas de código en Python y escribir en </a:t>
+            </a:r>
+            <a:r>
+              <a:rPr lang="es-ES" sz="1200" i="1" dirty="0" err="1">
+                <a:solidFill>
+                  <a:schemeClr val="tx1">
+                    <a:lumMod val="85000"/>
+                  </a:schemeClr>
+                </a:solidFill>
+                <a:latin typeface="Segoe UI" panose="020B0502040204020203" pitchFamily="34" charset="0"/>
+                <a:cs typeface="Segoe UI" panose="020B0502040204020203" pitchFamily="34" charset="0"/>
+              </a:rPr>
+              <a:t>markdown</a:t>
+            </a:r>
+            <a:r>
+              <a:rPr lang="es-ES" sz="1200" i="1" dirty="0">
+                <a:solidFill>
+                  <a:schemeClr val="tx1">
+                    <a:lumMod val="85000"/>
+                  </a:schemeClr>
+                </a:solidFill>
+                <a:latin typeface="Segoe UI" panose="020B0502040204020203" pitchFamily="34" charset="0"/>
+                <a:cs typeface="Segoe UI" panose="020B0502040204020203" pitchFamily="34" charset="0"/>
+              </a:rPr>
+              <a:t>.</a:t>
+            </a:r>
+          </a:p>
+          <a:p>
+            <a:endParaRPr lang="es-ES" sz="1200" i="1" dirty="0">
+              <a:solidFill>
+                <a:schemeClr val="tx1">
+                  <a:lumMod val="85000"/>
+                </a:schemeClr>
+              </a:solidFill>
+              <a:latin typeface="Segoe UI" panose="020B0502040204020203" pitchFamily="34" charset="0"/>
+              <a:cs typeface="Segoe UI" panose="020B0502040204020203" pitchFamily="34" charset="0"/>
+            </a:endParaRPr>
+          </a:p>
+          <a:p>
+            <a:endParaRPr lang="es-ES" sz="1200" i="1" dirty="0">
+              <a:solidFill>
+                <a:schemeClr val="tx1">
+                  <a:lumMod val="85000"/>
+                </a:schemeClr>
+              </a:solidFill>
+              <a:latin typeface="Segoe UI" panose="020B0502040204020203" pitchFamily="34" charset="0"/>
+              <a:cs typeface="Segoe UI" panose="020B0502040204020203" pitchFamily="34" charset="0"/>
+            </a:endParaRPr>
+          </a:p>
+          <a:p>
             <a:r>
               <a:rPr lang="es-ES" sz="1400" b="1" dirty="0" err="1">
                 <a:solidFill>
@@ -4962,7 +5024,7 @@
                 <a:latin typeface="Segoe UI" panose="020B0502040204020203" pitchFamily="34" charset="0"/>
                 <a:cs typeface="Segoe UI" panose="020B0502040204020203" pitchFamily="34" charset="0"/>
               </a:rPr>
-              <a:t>Science</a:t>
+              <a:t>Markdown</a:t>
             </a:r>
             <a:endParaRPr lang="es-ES" sz="1400" b="1" dirty="0">
               <a:solidFill>
@@ -4985,7 +5047,7 @@
                 <a:latin typeface="Segoe UI" panose="020B0502040204020203" pitchFamily="34" charset="0"/>
                 <a:cs typeface="Segoe UI" panose="020B0502040204020203" pitchFamily="34" charset="0"/>
               </a:rPr>
-              <a:t>Qué es un Data </a:t>
+              <a:t>Como crear mis propios scripts y documentos en </a:t>
             </a:r>
             <a:r>
               <a:rPr lang="es-ES" sz="1200" i="1" dirty="0" err="1">
@@ -4997,7 +5059,7 @@
                 <a:latin typeface="Segoe UI" panose="020B0502040204020203" pitchFamily="34" charset="0"/>
                 <a:cs typeface="Segoe UI" panose="020B0502040204020203" pitchFamily="34" charset="0"/>
               </a:rPr>
-              <a:t>Scientist</a:t>
+              <a:t>markdown</a:t>
             </a:r>
             <a:r>
               <a:rPr lang="es-ES" sz="1200" i="1" dirty="0">
@@ -5009,7 +5071,7 @@
                 <a:latin typeface="Segoe UI" panose="020B0502040204020203" pitchFamily="34" charset="0"/>
                 <a:cs typeface="Segoe UI" panose="020B0502040204020203" pitchFamily="34" charset="0"/>
               </a:rPr>
-              <a:t>, herramientas que usa, </a:t>
+              <a:t>. Los puedo publicar en mi GitHub, en un articulo, notebooks, </a:t>
             </a:r>
             <a:r>
               <a:rPr lang="es-ES" sz="1200" i="1" dirty="0" err="1">
@@ -5021,7 +5083,7 @@
                 <a:latin typeface="Segoe UI" panose="020B0502040204020203" pitchFamily="34" charset="0"/>
                 <a:cs typeface="Segoe UI" panose="020B0502040204020203" pitchFamily="34" charset="0"/>
               </a:rPr>
-              <a:t>skills</a:t>
+              <a:t>etc</a:t>
             </a:r>
             <a:r>
               <a:rPr lang="es-ES" sz="1200" i="1" dirty="0">
@@ -5033,121 +5095,7 @@
                 <a:latin typeface="Segoe UI" panose="020B0502040204020203" pitchFamily="34" charset="0"/>
                 <a:cs typeface="Segoe UI" panose="020B0502040204020203" pitchFamily="34" charset="0"/>
               </a:rPr>
-              <a:t> que necesita.</a:t>
-            </a:r>
-          </a:p>
-          <a:p>
-            <a:endParaRPr lang="es-ES" sz="1200" i="1" dirty="0">
-              <a:solidFill>
-                <a:schemeClr val="tx1">
-                  <a:lumMod val="85000"/>
-                </a:schemeClr>
-              </a:solidFill>
-              <a:latin typeface="Segoe UI" panose="020B0502040204020203" pitchFamily="34" charset="0"/>
-              <a:cs typeface="Segoe UI" panose="020B0502040204020203" pitchFamily="34" charset="0"/>
-            </a:endParaRPr>
-          </a:p>
-          <a:p>
-            <a:r>
-              <a:rPr lang="es-ES" sz="1400" b="1" dirty="0">
-                <a:solidFill>
-                  <a:schemeClr val="tx1">
-                    <a:lumMod val="95000"/>
-                  </a:schemeClr>
-                </a:solidFill>
-                <a:latin typeface="Segoe UI" panose="020B0502040204020203" pitchFamily="34" charset="0"/>
-                <a:cs typeface="Segoe UI" panose="020B0502040204020203" pitchFamily="34" charset="0"/>
-              </a:rPr>
-              <a:t>Anaconda</a:t>
-            </a:r>
-          </a:p>
-          <a:p>
-            <a:r>
-              <a:rPr lang="es-ES" sz="1200" i="1" dirty="0">
-                <a:solidFill>
-                  <a:schemeClr val="tx1">
-                    <a:lumMod val="85000"/>
-                  </a:schemeClr>
-                </a:solidFill>
-                <a:latin typeface="Segoe UI" panose="020B0502040204020203" pitchFamily="34" charset="0"/>
-                <a:cs typeface="Segoe UI" panose="020B0502040204020203" pitchFamily="34" charset="0"/>
-              </a:rPr>
-              <a:t>Como instalar mi propio entorno de Python para empezar a programar</a:t>
-            </a:r>
-          </a:p>
-          <a:p>
-            <a:endParaRPr lang="es-ES" sz="1200" i="1" dirty="0">
-              <a:solidFill>
-                <a:schemeClr val="tx1">
-                  <a:lumMod val="85000"/>
-                </a:schemeClr>
-              </a:solidFill>
-              <a:latin typeface="Segoe UI" panose="020B0502040204020203" pitchFamily="34" charset="0"/>
-              <a:cs typeface="Segoe UI" panose="020B0502040204020203" pitchFamily="34" charset="0"/>
-            </a:endParaRPr>
-          </a:p>
-          <a:p>
-            <a:r>
-              <a:rPr lang="es-ES" sz="1400" b="1" dirty="0" err="1">
-                <a:solidFill>
-                  <a:schemeClr val="tx1">
-                    <a:lumMod val="95000"/>
-                  </a:schemeClr>
-                </a:solidFill>
-                <a:latin typeface="Segoe UI" panose="020B0502040204020203" pitchFamily="34" charset="0"/>
-                <a:cs typeface="Segoe UI" panose="020B0502040204020203" pitchFamily="34" charset="0"/>
-              </a:rPr>
-              <a:t>Jupyter</a:t>
-            </a:r>
-            <a:r>
-              <a:rPr lang="es-ES" sz="1400" b="1" dirty="0">
-                <a:solidFill>
-                  <a:schemeClr val="tx1">
-                    <a:lumMod val="95000"/>
-                  </a:schemeClr>
-                </a:solidFill>
-                <a:latin typeface="Segoe UI" panose="020B0502040204020203" pitchFamily="34" charset="0"/>
-                <a:cs typeface="Segoe UI" panose="020B0502040204020203" pitchFamily="34" charset="0"/>
-              </a:rPr>
-              <a:t> Notebook</a:t>
-            </a:r>
-          </a:p>
-          <a:p>
-            <a:r>
-              <a:rPr lang="es-ES" sz="1200" i="1" dirty="0">
-                <a:solidFill>
-                  <a:schemeClr val="tx1">
-                    <a:lumMod val="85000"/>
-                  </a:schemeClr>
-                </a:solidFill>
-                <a:latin typeface="Segoe UI" panose="020B0502040204020203" pitchFamily="34" charset="0"/>
-                <a:cs typeface="Segoe UI" panose="020B0502040204020203" pitchFamily="34" charset="0"/>
-              </a:rPr>
-              <a:t>Crear celdas, primeras líneas de código en Python y escribir en </a:t>
-            </a:r>
-            <a:r>
-              <a:rPr lang="es-ES" sz="1200" i="1" dirty="0" err="1">
-                <a:solidFill>
-                  <a:schemeClr val="tx1">
-                    <a:lumMod val="85000"/>
-                  </a:schemeClr>
-                </a:solidFill>
-                <a:latin typeface="Segoe UI" panose="020B0502040204020203" pitchFamily="34" charset="0"/>
-                <a:cs typeface="Segoe UI" panose="020B0502040204020203" pitchFamily="34" charset="0"/>
-              </a:rPr>
-              <a:t>markdown</a:t>
-            </a:r>
-            <a:r>
-              <a:rPr lang="es-ES" sz="1200" i="1" dirty="0">
-                <a:solidFill>
-                  <a:schemeClr val="tx1">
-                    <a:lumMod val="85000"/>
-                  </a:schemeClr>
-                </a:solidFill>
-                <a:latin typeface="Segoe UI" panose="020B0502040204020203" pitchFamily="34" charset="0"/>
-                <a:cs typeface="Segoe UI" panose="020B0502040204020203" pitchFamily="34" charset="0"/>
-              </a:rPr>
-              <a:t>.</a:t>
+              <a:t>…</a:t>
             </a:r>
           </a:p>
           <a:p>
